--- a/GameUIUXPrograming/Document/여우의 모험.pptx
+++ b/GameUIUXPrograming/Document/여우의 모험.pptx
@@ -10,6 +10,9 @@
     <p:sldId id="257" r:id="rId4"/>
     <p:sldId id="258" r:id="rId5"/>
     <p:sldId id="259" r:id="rId6"/>
+    <p:sldId id="261" r:id="rId7"/>
+    <p:sldId id="263" r:id="rId8"/>
+    <p:sldId id="262" r:id="rId9"/>
   </p:sldIdLst>
   <p:sldSz cx="12192000" cy="6858000"/>
   <p:notesSz cx="6858000" cy="9144000"/>
@@ -108,6 +111,11 @@
       </a:defRPr>
     </a:lvl9pPr>
   </p:defaultTextStyle>
+  <p:extLst>
+    <p:ext uri="{EFAFB233-063F-42B5-8137-9DF3F51BA10A}">
+      <p15:sldGuideLst xmlns:p15="http://schemas.microsoft.com/office/powerpoint/2012/main"/>
+    </p:ext>
+  </p:extLst>
 </p:presentation>
 </file>
 
@@ -242,7 +250,7 @@
           <a:p>
             <a:fld id="{897D5387-F64E-41AA-8B0A-C26E8B2F567B}" type="datetimeFigureOut">
               <a:rPr lang="ko-KR" altLang="en-US" smtClean="0"/>
-              <a:t>2021-08-04</a:t>
+              <a:t>2021-08-06</a:t>
             </a:fld>
             <a:endParaRPr lang="ko-KR" altLang="en-US"/>
           </a:p>
@@ -412,7 +420,7 @@
           <a:p>
             <a:fld id="{897D5387-F64E-41AA-8B0A-C26E8B2F567B}" type="datetimeFigureOut">
               <a:rPr lang="ko-KR" altLang="en-US" smtClean="0"/>
-              <a:t>2021-08-04</a:t>
+              <a:t>2021-08-06</a:t>
             </a:fld>
             <a:endParaRPr lang="ko-KR" altLang="en-US"/>
           </a:p>
@@ -592,7 +600,7 @@
           <a:p>
             <a:fld id="{897D5387-F64E-41AA-8B0A-C26E8B2F567B}" type="datetimeFigureOut">
               <a:rPr lang="ko-KR" altLang="en-US" smtClean="0"/>
-              <a:t>2021-08-04</a:t>
+              <a:t>2021-08-06</a:t>
             </a:fld>
             <a:endParaRPr lang="ko-KR" altLang="en-US"/>
           </a:p>
@@ -762,7 +770,7 @@
           <a:p>
             <a:fld id="{897D5387-F64E-41AA-8B0A-C26E8B2F567B}" type="datetimeFigureOut">
               <a:rPr lang="ko-KR" altLang="en-US" smtClean="0"/>
-              <a:t>2021-08-04</a:t>
+              <a:t>2021-08-06</a:t>
             </a:fld>
             <a:endParaRPr lang="ko-KR" altLang="en-US"/>
           </a:p>
@@ -1008,7 +1016,7 @@
           <a:p>
             <a:fld id="{897D5387-F64E-41AA-8B0A-C26E8B2F567B}" type="datetimeFigureOut">
               <a:rPr lang="ko-KR" altLang="en-US" smtClean="0"/>
-              <a:t>2021-08-04</a:t>
+              <a:t>2021-08-06</a:t>
             </a:fld>
             <a:endParaRPr lang="ko-KR" altLang="en-US"/>
           </a:p>
@@ -1240,7 +1248,7 @@
           <a:p>
             <a:fld id="{897D5387-F64E-41AA-8B0A-C26E8B2F567B}" type="datetimeFigureOut">
               <a:rPr lang="ko-KR" altLang="en-US" smtClean="0"/>
-              <a:t>2021-08-04</a:t>
+              <a:t>2021-08-06</a:t>
             </a:fld>
             <a:endParaRPr lang="ko-KR" altLang="en-US"/>
           </a:p>
@@ -1607,7 +1615,7 @@
           <a:p>
             <a:fld id="{897D5387-F64E-41AA-8B0A-C26E8B2F567B}" type="datetimeFigureOut">
               <a:rPr lang="ko-KR" altLang="en-US" smtClean="0"/>
-              <a:t>2021-08-04</a:t>
+              <a:t>2021-08-06</a:t>
             </a:fld>
             <a:endParaRPr lang="ko-KR" altLang="en-US"/>
           </a:p>
@@ -1725,7 +1733,7 @@
           <a:p>
             <a:fld id="{897D5387-F64E-41AA-8B0A-C26E8B2F567B}" type="datetimeFigureOut">
               <a:rPr lang="ko-KR" altLang="en-US" smtClean="0"/>
-              <a:t>2021-08-04</a:t>
+              <a:t>2021-08-06</a:t>
             </a:fld>
             <a:endParaRPr lang="ko-KR" altLang="en-US"/>
           </a:p>
@@ -1820,7 +1828,7 @@
           <a:p>
             <a:fld id="{897D5387-F64E-41AA-8B0A-C26E8B2F567B}" type="datetimeFigureOut">
               <a:rPr lang="ko-KR" altLang="en-US" smtClean="0"/>
-              <a:t>2021-08-04</a:t>
+              <a:t>2021-08-06</a:t>
             </a:fld>
             <a:endParaRPr lang="ko-KR" altLang="en-US"/>
           </a:p>
@@ -2097,7 +2105,7 @@
           <a:p>
             <a:fld id="{897D5387-F64E-41AA-8B0A-C26E8B2F567B}" type="datetimeFigureOut">
               <a:rPr lang="ko-KR" altLang="en-US" smtClean="0"/>
-              <a:t>2021-08-04</a:t>
+              <a:t>2021-08-06</a:t>
             </a:fld>
             <a:endParaRPr lang="ko-KR" altLang="en-US"/>
           </a:p>
@@ -2350,7 +2358,7 @@
           <a:p>
             <a:fld id="{897D5387-F64E-41AA-8B0A-C26E8B2F567B}" type="datetimeFigureOut">
               <a:rPr lang="ko-KR" altLang="en-US" smtClean="0"/>
-              <a:t>2021-08-04</a:t>
+              <a:t>2021-08-06</a:t>
             </a:fld>
             <a:endParaRPr lang="ko-KR" altLang="en-US"/>
           </a:p>
@@ -2563,7 +2571,7 @@
           <a:p>
             <a:fld id="{897D5387-F64E-41AA-8B0A-C26E8B2F567B}" type="datetimeFigureOut">
               <a:rPr lang="ko-KR" altLang="en-US" smtClean="0"/>
-              <a:t>2021-08-04</a:t>
+              <a:t>2021-08-06</a:t>
             </a:fld>
             <a:endParaRPr lang="ko-KR" altLang="en-US"/>
           </a:p>
@@ -5204,6 +5212,890 @@
 </p:sld>
 </file>
 
+<file path=ppt/slides/slide6.xml><?xml version="1.0" encoding="utf-8"?>
+<p:sld xmlns:a="http://schemas.openxmlformats.org/drawingml/2006/main" xmlns:r="http://schemas.openxmlformats.org/officeDocument/2006/relationships" xmlns:p="http://schemas.openxmlformats.org/presentationml/2006/main">
+  <p:cSld>
+    <p:spTree>
+      <p:nvGrpSpPr>
+        <p:cNvPr id="1" name=""/>
+        <p:cNvGrpSpPr/>
+        <p:nvPr/>
+      </p:nvGrpSpPr>
+      <p:grpSpPr>
+        <a:xfrm>
+          <a:off x="0" y="0"/>
+          <a:ext cx="0" cy="0"/>
+          <a:chOff x="0" y="0"/>
+          <a:chExt cx="0" cy="0"/>
+        </a:xfrm>
+      </p:grpSpPr>
+      <p:sp>
+        <p:nvSpPr>
+          <p:cNvPr id="2" name="제목 1"/>
+          <p:cNvSpPr>
+            <a:spLocks noGrp="1"/>
+          </p:cNvSpPr>
+          <p:nvPr>
+            <p:ph type="title"/>
+          </p:nvPr>
+        </p:nvSpPr>
+        <p:spPr/>
+        <p:txBody>
+          <a:bodyPr/>
+          <a:lstStyle/>
+          <a:p>
+            <a:r>
+              <a:rPr lang="ko-KR" altLang="en-US" dirty="0" err="1" smtClean="0"/>
+              <a:t>장면구성</a:t>
+            </a:r>
+            <a:endParaRPr lang="ko-KR" altLang="en-US" dirty="0"/>
+          </a:p>
+        </p:txBody>
+      </p:sp>
+      <p:grpSp>
+        <p:nvGrpSpPr>
+          <p:cNvPr id="31" name="그룹 30"/>
+          <p:cNvGrpSpPr/>
+          <p:nvPr/>
+        </p:nvGrpSpPr>
+        <p:grpSpPr>
+          <a:xfrm>
+            <a:off x="838200" y="1980997"/>
+            <a:ext cx="6524628" cy="4210051"/>
+            <a:chOff x="1095372" y="1990724"/>
+            <a:chExt cx="6524628" cy="4210051"/>
+          </a:xfrm>
+        </p:grpSpPr>
+        <p:sp>
+          <p:nvSpPr>
+            <p:cNvPr id="3" name="직사각형 2"/>
+            <p:cNvSpPr/>
+            <p:nvPr/>
+          </p:nvSpPr>
+          <p:spPr>
+            <a:xfrm>
+              <a:off x="1095375" y="1990725"/>
+              <a:ext cx="6524625" cy="4210050"/>
+            </a:xfrm>
+            <a:prstGeom prst="rect">
+              <a:avLst/>
+            </a:prstGeom>
+            <a:solidFill>
+              <a:schemeClr val="accent6">
+                <a:lumMod val="40000"/>
+                <a:lumOff val="60000"/>
+              </a:schemeClr>
+            </a:solidFill>
+          </p:spPr>
+          <p:style>
+            <a:lnRef idx="2">
+              <a:schemeClr val="accent1">
+                <a:shade val="50000"/>
+              </a:schemeClr>
+            </a:lnRef>
+            <a:fillRef idx="1">
+              <a:schemeClr val="accent1"/>
+            </a:fillRef>
+            <a:effectRef idx="0">
+              <a:schemeClr val="accent1"/>
+            </a:effectRef>
+            <a:fontRef idx="minor">
+              <a:schemeClr val="lt1"/>
+            </a:fontRef>
+          </p:style>
+          <p:txBody>
+            <a:bodyPr rtlCol="0" anchor="ctr"/>
+            <a:lstStyle/>
+            <a:p>
+              <a:pPr algn="ctr"/>
+              <a:r>
+                <a:rPr lang="ko-KR" altLang="en-US" dirty="0" smtClean="0"/>
+                <a:t>장면</a:t>
+              </a:r>
+              <a:endParaRPr lang="ko-KR" altLang="en-US" dirty="0"/>
+            </a:p>
+          </p:txBody>
+        </p:sp>
+        <p:sp>
+          <p:nvSpPr>
+            <p:cNvPr id="10" name="직사각형 9"/>
+            <p:cNvSpPr/>
+            <p:nvPr/>
+          </p:nvSpPr>
+          <p:spPr>
+            <a:xfrm>
+              <a:off x="1095375" y="1990724"/>
+              <a:ext cx="2143125" cy="1248587"/>
+            </a:xfrm>
+            <a:prstGeom prst="rect">
+              <a:avLst/>
+            </a:prstGeom>
+            <a:solidFill>
+              <a:schemeClr val="bg1"/>
+            </a:solidFill>
+          </p:spPr>
+          <p:style>
+            <a:lnRef idx="2">
+              <a:schemeClr val="accent1">
+                <a:shade val="50000"/>
+              </a:schemeClr>
+            </a:lnRef>
+            <a:fillRef idx="1">
+              <a:schemeClr val="accent1"/>
+            </a:fillRef>
+            <a:effectRef idx="0">
+              <a:schemeClr val="accent1"/>
+            </a:effectRef>
+            <a:fontRef idx="minor">
+              <a:schemeClr val="lt1"/>
+            </a:fontRef>
+          </p:style>
+          <p:txBody>
+            <a:bodyPr rtlCol="0" anchor="ctr"/>
+            <a:lstStyle/>
+            <a:p>
+              <a:pPr algn="ctr"/>
+              <a:endParaRPr lang="ko-KR" altLang="en-US"/>
+            </a:p>
+          </p:txBody>
+        </p:sp>
+        <p:sp>
+          <p:nvSpPr>
+            <p:cNvPr id="19" name="TextBox 18"/>
+            <p:cNvSpPr txBox="1"/>
+            <p:nvPr/>
+          </p:nvSpPr>
+          <p:spPr>
+            <a:xfrm>
+              <a:off x="1095375" y="1990725"/>
+              <a:ext cx="1257300" cy="369332"/>
+            </a:xfrm>
+            <a:prstGeom prst="rect">
+              <a:avLst/>
+            </a:prstGeom>
+            <a:noFill/>
+          </p:spPr>
+          <p:txBody>
+            <a:bodyPr wrap="square" rtlCol="0">
+              <a:spAutoFit/>
+            </a:bodyPr>
+            <a:lstStyle/>
+            <a:p>
+              <a:r>
+                <a:rPr lang="en-US" altLang="ko-KR" dirty="0" smtClean="0"/>
+                <a:t>Player</a:t>
+              </a:r>
+              <a:endParaRPr lang="ko-KR" altLang="en-US" dirty="0"/>
+            </a:p>
+          </p:txBody>
+        </p:sp>
+        <p:sp>
+          <p:nvSpPr>
+            <p:cNvPr id="24" name="TextBox 23"/>
+            <p:cNvSpPr txBox="1"/>
+            <p:nvPr/>
+          </p:nvSpPr>
+          <p:spPr>
+            <a:xfrm>
+              <a:off x="2352676" y="1990725"/>
+              <a:ext cx="885824" cy="369332"/>
+            </a:xfrm>
+            <a:prstGeom prst="rect">
+              <a:avLst/>
+            </a:prstGeom>
+            <a:noFill/>
+          </p:spPr>
+          <p:txBody>
+            <a:bodyPr wrap="square" rtlCol="0">
+              <a:spAutoFit/>
+            </a:bodyPr>
+            <a:lstStyle/>
+            <a:p>
+              <a:pPr algn="r"/>
+              <a:r>
+                <a:rPr lang="en-US" altLang="ko-KR" dirty="0" smtClean="0"/>
+                <a:t>Lv.1</a:t>
+              </a:r>
+              <a:endParaRPr lang="ko-KR" altLang="en-US" dirty="0"/>
+            </a:p>
+          </p:txBody>
+        </p:sp>
+        <p:sp>
+          <p:nvSpPr>
+            <p:cNvPr id="21" name="TextBox 20"/>
+            <p:cNvSpPr txBox="1"/>
+            <p:nvPr/>
+          </p:nvSpPr>
+          <p:spPr>
+            <a:xfrm>
+              <a:off x="1095374" y="2385085"/>
+              <a:ext cx="433387" cy="276999"/>
+            </a:xfrm>
+            <a:prstGeom prst="rect">
+              <a:avLst/>
+            </a:prstGeom>
+            <a:noFill/>
+          </p:spPr>
+          <p:txBody>
+            <a:bodyPr wrap="square" rtlCol="0">
+              <a:spAutoFit/>
+            </a:bodyPr>
+            <a:lstStyle/>
+            <a:p>
+              <a:r>
+                <a:rPr lang="en-US" altLang="ko-KR" sz="1200" dirty="0" smtClean="0"/>
+                <a:t>HP</a:t>
+              </a:r>
+              <a:endParaRPr lang="ko-KR" altLang="en-US" sz="1200" dirty="0"/>
+            </a:p>
+          </p:txBody>
+        </p:sp>
+        <p:sp>
+          <p:nvSpPr>
+            <p:cNvPr id="25" name="직사각형 24"/>
+            <p:cNvSpPr/>
+            <p:nvPr/>
+          </p:nvSpPr>
+          <p:spPr>
+            <a:xfrm>
+              <a:off x="1528761" y="2681963"/>
+              <a:ext cx="1647825" cy="209550"/>
+            </a:xfrm>
+            <a:prstGeom prst="rect">
+              <a:avLst/>
+            </a:prstGeom>
+            <a:solidFill>
+              <a:srgbClr val="0070C0"/>
+            </a:solidFill>
+          </p:spPr>
+          <p:style>
+            <a:lnRef idx="2">
+              <a:schemeClr val="accent1">
+                <a:shade val="50000"/>
+              </a:schemeClr>
+            </a:lnRef>
+            <a:fillRef idx="1">
+              <a:schemeClr val="accent1"/>
+            </a:fillRef>
+            <a:effectRef idx="0">
+              <a:schemeClr val="accent1"/>
+            </a:effectRef>
+            <a:fontRef idx="minor">
+              <a:schemeClr val="lt1"/>
+            </a:fontRef>
+          </p:style>
+          <p:txBody>
+            <a:bodyPr rtlCol="0" anchor="ctr"/>
+            <a:lstStyle/>
+            <a:p>
+              <a:pPr algn="ctr"/>
+              <a:endParaRPr lang="ko-KR" altLang="en-US"/>
+            </a:p>
+          </p:txBody>
+        </p:sp>
+        <p:sp>
+          <p:nvSpPr>
+            <p:cNvPr id="26" name="TextBox 25"/>
+            <p:cNvSpPr txBox="1"/>
+            <p:nvPr/>
+          </p:nvSpPr>
+          <p:spPr>
+            <a:xfrm>
+              <a:off x="1095373" y="2644007"/>
+              <a:ext cx="433387" cy="276999"/>
+            </a:xfrm>
+            <a:prstGeom prst="rect">
+              <a:avLst/>
+            </a:prstGeom>
+            <a:noFill/>
+          </p:spPr>
+          <p:txBody>
+            <a:bodyPr wrap="square" rtlCol="0">
+              <a:spAutoFit/>
+            </a:bodyPr>
+            <a:lstStyle/>
+            <a:p>
+              <a:r>
+                <a:rPr lang="en-US" altLang="ko-KR" sz="1200" dirty="0"/>
+                <a:t>M</a:t>
+              </a:r>
+              <a:r>
+                <a:rPr lang="en-US" altLang="ko-KR" sz="1200" dirty="0" smtClean="0"/>
+                <a:t>P</a:t>
+              </a:r>
+              <a:endParaRPr lang="ko-KR" altLang="en-US" sz="1200" dirty="0"/>
+            </a:p>
+          </p:txBody>
+        </p:sp>
+        <p:sp>
+          <p:nvSpPr>
+            <p:cNvPr id="27" name="직사각형 26"/>
+            <p:cNvSpPr/>
+            <p:nvPr/>
+          </p:nvSpPr>
+          <p:spPr>
+            <a:xfrm>
+              <a:off x="1528760" y="2925674"/>
+              <a:ext cx="1647825" cy="209550"/>
+            </a:xfrm>
+            <a:prstGeom prst="rect">
+              <a:avLst/>
+            </a:prstGeom>
+            <a:solidFill>
+              <a:srgbClr val="92D050"/>
+            </a:solidFill>
+          </p:spPr>
+          <p:style>
+            <a:lnRef idx="2">
+              <a:schemeClr val="accent1">
+                <a:shade val="50000"/>
+              </a:schemeClr>
+            </a:lnRef>
+            <a:fillRef idx="1">
+              <a:schemeClr val="accent1"/>
+            </a:fillRef>
+            <a:effectRef idx="0">
+              <a:schemeClr val="accent1"/>
+            </a:effectRef>
+            <a:fontRef idx="minor">
+              <a:schemeClr val="lt1"/>
+            </a:fontRef>
+          </p:style>
+          <p:txBody>
+            <a:bodyPr rtlCol="0" anchor="ctr"/>
+            <a:lstStyle/>
+            <a:p>
+              <a:pPr algn="ctr"/>
+              <a:endParaRPr lang="ko-KR" altLang="en-US"/>
+            </a:p>
+          </p:txBody>
+        </p:sp>
+        <p:sp>
+          <p:nvSpPr>
+            <p:cNvPr id="28" name="TextBox 27"/>
+            <p:cNvSpPr txBox="1"/>
+            <p:nvPr/>
+          </p:nvSpPr>
+          <p:spPr>
+            <a:xfrm>
+              <a:off x="1095372" y="2887718"/>
+              <a:ext cx="433387" cy="276999"/>
+            </a:xfrm>
+            <a:prstGeom prst="rect">
+              <a:avLst/>
+            </a:prstGeom>
+            <a:noFill/>
+          </p:spPr>
+          <p:txBody>
+            <a:bodyPr wrap="square" rtlCol="0">
+              <a:spAutoFit/>
+            </a:bodyPr>
+            <a:lstStyle/>
+            <a:p>
+              <a:r>
+                <a:rPr lang="en-US" altLang="ko-KR" sz="1200" dirty="0" err="1" smtClean="0"/>
+                <a:t>Exp</a:t>
+              </a:r>
+              <a:endParaRPr lang="ko-KR" altLang="en-US" sz="1200" dirty="0"/>
+            </a:p>
+          </p:txBody>
+        </p:sp>
+        <p:grpSp>
+          <p:nvGrpSpPr>
+            <p:cNvPr id="30" name="그룹 29"/>
+            <p:cNvGrpSpPr/>
+            <p:nvPr/>
+          </p:nvGrpSpPr>
+          <p:grpSpPr>
+            <a:xfrm>
+              <a:off x="1528759" y="2419192"/>
+              <a:ext cx="1647825" cy="209550"/>
+              <a:chOff x="8402976" y="2681963"/>
+              <a:chExt cx="1647825" cy="209550"/>
+            </a:xfrm>
+          </p:grpSpPr>
+          <p:sp>
+            <p:nvSpPr>
+              <p:cNvPr id="29" name="직사각형 28"/>
+              <p:cNvSpPr/>
+              <p:nvPr/>
+            </p:nvSpPr>
+            <p:spPr>
+              <a:xfrm>
+                <a:off x="8402976" y="2681963"/>
+                <a:ext cx="1647825" cy="209550"/>
+              </a:xfrm>
+              <a:prstGeom prst="rect">
+                <a:avLst/>
+              </a:prstGeom>
+              <a:solidFill>
+                <a:schemeClr val="tx1"/>
+              </a:solidFill>
+            </p:spPr>
+            <p:style>
+              <a:lnRef idx="2">
+                <a:schemeClr val="accent1">
+                  <a:shade val="50000"/>
+                </a:schemeClr>
+              </a:lnRef>
+              <a:fillRef idx="1">
+                <a:schemeClr val="accent1"/>
+              </a:fillRef>
+              <a:effectRef idx="0">
+                <a:schemeClr val="accent1"/>
+              </a:effectRef>
+              <a:fontRef idx="minor">
+                <a:schemeClr val="lt1"/>
+              </a:fontRef>
+            </p:style>
+            <p:txBody>
+              <a:bodyPr rtlCol="0" anchor="ctr"/>
+              <a:lstStyle/>
+              <a:p>
+                <a:pPr algn="ctr"/>
+                <a:endParaRPr lang="ko-KR" altLang="en-US"/>
+              </a:p>
+            </p:txBody>
+          </p:sp>
+          <p:sp>
+            <p:nvSpPr>
+              <p:cNvPr id="20" name="직사각형 19"/>
+              <p:cNvSpPr/>
+              <p:nvPr/>
+            </p:nvSpPr>
+            <p:spPr>
+              <a:xfrm>
+                <a:off x="8402976" y="2686769"/>
+                <a:ext cx="1263076" cy="200949"/>
+              </a:xfrm>
+              <a:prstGeom prst="rect">
+                <a:avLst/>
+              </a:prstGeom>
+              <a:solidFill>
+                <a:srgbClr val="FF0000"/>
+              </a:solidFill>
+            </p:spPr>
+            <p:style>
+              <a:lnRef idx="2">
+                <a:schemeClr val="accent1">
+                  <a:shade val="50000"/>
+                </a:schemeClr>
+              </a:lnRef>
+              <a:fillRef idx="1">
+                <a:schemeClr val="accent1"/>
+              </a:fillRef>
+              <a:effectRef idx="0">
+                <a:schemeClr val="accent1"/>
+              </a:effectRef>
+              <a:fontRef idx="minor">
+                <a:schemeClr val="lt1"/>
+              </a:fontRef>
+            </p:style>
+            <p:txBody>
+              <a:bodyPr rtlCol="0" anchor="ctr"/>
+              <a:lstStyle/>
+              <a:p>
+                <a:pPr algn="ctr"/>
+                <a:endParaRPr lang="ko-KR" altLang="en-US"/>
+              </a:p>
+            </p:txBody>
+          </p:sp>
+        </p:grpSp>
+      </p:grpSp>
+      <p:sp>
+        <p:nvSpPr>
+          <p:cNvPr id="32" name="타원 31"/>
+          <p:cNvSpPr/>
+          <p:nvPr/>
+        </p:nvSpPr>
+        <p:spPr>
+          <a:xfrm>
+            <a:off x="5904690" y="4737370"/>
+            <a:ext cx="787941" cy="787941"/>
+          </a:xfrm>
+          <a:prstGeom prst="ellipse">
+            <a:avLst/>
+          </a:prstGeom>
+          <a:solidFill>
+            <a:schemeClr val="accent1">
+              <a:lumMod val="60000"/>
+              <a:lumOff val="40000"/>
+            </a:schemeClr>
+          </a:solidFill>
+        </p:spPr>
+        <p:style>
+          <a:lnRef idx="2">
+            <a:schemeClr val="accent1">
+              <a:shade val="50000"/>
+            </a:schemeClr>
+          </a:lnRef>
+          <a:fillRef idx="1">
+            <a:schemeClr val="accent1"/>
+          </a:fillRef>
+          <a:effectRef idx="0">
+            <a:schemeClr val="accent1"/>
+          </a:effectRef>
+          <a:fontRef idx="minor">
+            <a:schemeClr val="lt1"/>
+          </a:fontRef>
+        </p:style>
+        <p:txBody>
+          <a:bodyPr rtlCol="0" anchor="ctr"/>
+          <a:lstStyle/>
+          <a:p>
+            <a:pPr algn="ctr"/>
+            <a:r>
+              <a:rPr lang="en-US" altLang="ko-KR" dirty="0" smtClean="0"/>
+              <a:t>M</a:t>
+            </a:r>
+            <a:endParaRPr lang="ko-KR" altLang="en-US" dirty="0"/>
+          </a:p>
+        </p:txBody>
+      </p:sp>
+      <p:grpSp>
+        <p:nvGrpSpPr>
+          <p:cNvPr id="37" name="그룹 36"/>
+          <p:cNvGrpSpPr/>
+          <p:nvPr/>
+        </p:nvGrpSpPr>
+        <p:grpSpPr>
+          <a:xfrm>
+            <a:off x="5476928" y="5640611"/>
+            <a:ext cx="1536717" cy="215438"/>
+            <a:chOff x="5034319" y="1272894"/>
+            <a:chExt cx="2110394" cy="257795"/>
+          </a:xfrm>
+        </p:grpSpPr>
+        <p:sp>
+          <p:nvSpPr>
+            <p:cNvPr id="36" name="직사각형 35"/>
+            <p:cNvSpPr/>
+            <p:nvPr/>
+          </p:nvSpPr>
+          <p:spPr>
+            <a:xfrm>
+              <a:off x="5063503" y="1297225"/>
+              <a:ext cx="2081210" cy="233464"/>
+            </a:xfrm>
+            <a:prstGeom prst="rect">
+              <a:avLst/>
+            </a:prstGeom>
+            <a:solidFill>
+              <a:schemeClr val="bg1"/>
+            </a:solidFill>
+          </p:spPr>
+          <p:style>
+            <a:lnRef idx="2">
+              <a:schemeClr val="accent1">
+                <a:shade val="50000"/>
+              </a:schemeClr>
+            </a:lnRef>
+            <a:fillRef idx="1">
+              <a:schemeClr val="accent1"/>
+            </a:fillRef>
+            <a:effectRef idx="0">
+              <a:schemeClr val="accent1"/>
+            </a:effectRef>
+            <a:fontRef idx="minor">
+              <a:schemeClr val="lt1"/>
+            </a:fontRef>
+          </p:style>
+          <p:txBody>
+            <a:bodyPr rtlCol="0" anchor="ctr"/>
+            <a:lstStyle/>
+            <a:p>
+              <a:pPr algn="ctr"/>
+              <a:endParaRPr lang="ko-KR" altLang="en-US"/>
+            </a:p>
+          </p:txBody>
+        </p:sp>
+        <p:sp>
+          <p:nvSpPr>
+            <p:cNvPr id="33" name="TextBox 32"/>
+            <p:cNvSpPr txBox="1"/>
+            <p:nvPr/>
+          </p:nvSpPr>
+          <p:spPr>
+            <a:xfrm>
+              <a:off x="5034319" y="1272894"/>
+              <a:ext cx="433387" cy="215443"/>
+            </a:xfrm>
+            <a:prstGeom prst="rect">
+              <a:avLst/>
+            </a:prstGeom>
+            <a:noFill/>
+          </p:spPr>
+          <p:txBody>
+            <a:bodyPr wrap="square" rtlCol="0">
+              <a:spAutoFit/>
+            </a:bodyPr>
+            <a:lstStyle/>
+            <a:p>
+              <a:r>
+                <a:rPr lang="en-US" altLang="ko-KR" sz="800" dirty="0" smtClean="0"/>
+                <a:t>HP</a:t>
+              </a:r>
+              <a:endParaRPr lang="ko-KR" altLang="en-US" sz="800" dirty="0"/>
+            </a:p>
+          </p:txBody>
+        </p:sp>
+        <p:sp>
+          <p:nvSpPr>
+            <p:cNvPr id="34" name="직사각형 33"/>
+            <p:cNvSpPr/>
+            <p:nvPr/>
+          </p:nvSpPr>
+          <p:spPr>
+            <a:xfrm>
+              <a:off x="5467704" y="1307001"/>
+              <a:ext cx="1647825" cy="209550"/>
+            </a:xfrm>
+            <a:prstGeom prst="rect">
+              <a:avLst/>
+            </a:prstGeom>
+            <a:solidFill>
+              <a:schemeClr val="tx1"/>
+            </a:solidFill>
+          </p:spPr>
+          <p:style>
+            <a:lnRef idx="2">
+              <a:schemeClr val="accent1">
+                <a:shade val="50000"/>
+              </a:schemeClr>
+            </a:lnRef>
+            <a:fillRef idx="1">
+              <a:schemeClr val="accent1"/>
+            </a:fillRef>
+            <a:effectRef idx="0">
+              <a:schemeClr val="accent1"/>
+            </a:effectRef>
+            <a:fontRef idx="minor">
+              <a:schemeClr val="lt1"/>
+            </a:fontRef>
+          </p:style>
+          <p:txBody>
+            <a:bodyPr rtlCol="0" anchor="ctr"/>
+            <a:lstStyle/>
+            <a:p>
+              <a:pPr algn="ctr"/>
+              <a:endParaRPr lang="ko-KR" altLang="en-US"/>
+            </a:p>
+          </p:txBody>
+        </p:sp>
+        <p:sp>
+          <p:nvSpPr>
+            <p:cNvPr id="35" name="직사각형 34"/>
+            <p:cNvSpPr/>
+            <p:nvPr/>
+          </p:nvSpPr>
+          <p:spPr>
+            <a:xfrm>
+              <a:off x="5467704" y="1311807"/>
+              <a:ext cx="1263076" cy="214521"/>
+            </a:xfrm>
+            <a:prstGeom prst="rect">
+              <a:avLst/>
+            </a:prstGeom>
+            <a:solidFill>
+              <a:srgbClr val="FF0000"/>
+            </a:solidFill>
+          </p:spPr>
+          <p:style>
+            <a:lnRef idx="2">
+              <a:schemeClr val="accent1">
+                <a:shade val="50000"/>
+              </a:schemeClr>
+            </a:lnRef>
+            <a:fillRef idx="1">
+              <a:schemeClr val="accent1"/>
+            </a:fillRef>
+            <a:effectRef idx="0">
+              <a:schemeClr val="accent1"/>
+            </a:effectRef>
+            <a:fontRef idx="minor">
+              <a:schemeClr val="lt1"/>
+            </a:fontRef>
+          </p:style>
+          <p:txBody>
+            <a:bodyPr rtlCol="0" anchor="ctr"/>
+            <a:lstStyle/>
+            <a:p>
+              <a:pPr algn="ctr"/>
+              <a:endParaRPr lang="ko-KR" altLang="en-US"/>
+            </a:p>
+          </p:txBody>
+        </p:sp>
+      </p:grpSp>
+    </p:spTree>
+    <p:extLst>
+      <p:ext uri="{BB962C8B-B14F-4D97-AF65-F5344CB8AC3E}">
+        <p14:creationId xmlns:p14="http://schemas.microsoft.com/office/powerpoint/2010/main" val="1940609583"/>
+      </p:ext>
+    </p:extLst>
+  </p:cSld>
+  <p:clrMapOvr>
+    <a:masterClrMapping/>
+  </p:clrMapOvr>
+</p:sld>
+</file>
+
+<file path=ppt/slides/slide7.xml><?xml version="1.0" encoding="utf-8"?>
+<p:sld xmlns:a="http://schemas.openxmlformats.org/drawingml/2006/main" xmlns:r="http://schemas.openxmlformats.org/officeDocument/2006/relationships" xmlns:p="http://schemas.openxmlformats.org/presentationml/2006/main">
+  <p:cSld>
+    <p:spTree>
+      <p:nvGrpSpPr>
+        <p:cNvPr id="1" name=""/>
+        <p:cNvGrpSpPr/>
+        <p:nvPr/>
+      </p:nvGrpSpPr>
+      <p:grpSpPr>
+        <a:xfrm>
+          <a:off x="0" y="0"/>
+          <a:ext cx="0" cy="0"/>
+          <a:chOff x="0" y="0"/>
+          <a:chExt cx="0" cy="0"/>
+        </a:xfrm>
+      </p:grpSpPr>
+      <p:sp>
+        <p:nvSpPr>
+          <p:cNvPr id="2" name="제목 1"/>
+          <p:cNvSpPr>
+            <a:spLocks noGrp="1"/>
+          </p:cNvSpPr>
+          <p:nvPr>
+            <p:ph type="title"/>
+          </p:nvPr>
+        </p:nvSpPr>
+        <p:spPr/>
+        <p:txBody>
+          <a:bodyPr/>
+          <a:lstStyle/>
+          <a:p>
+            <a:r>
+              <a:rPr lang="ko-KR" altLang="en-US" dirty="0" smtClean="0"/>
+              <a:t>아이템</a:t>
+            </a:r>
+            <a:endParaRPr lang="ko-KR" altLang="en-US" dirty="0"/>
+          </a:p>
+        </p:txBody>
+      </p:sp>
+      <p:sp>
+        <p:nvSpPr>
+          <p:cNvPr id="3" name="내용 개체 틀 2"/>
+          <p:cNvSpPr>
+            <a:spLocks noGrp="1"/>
+          </p:cNvSpPr>
+          <p:nvPr>
+            <p:ph idx="1"/>
+          </p:nvPr>
+        </p:nvSpPr>
+        <p:spPr/>
+        <p:txBody>
+          <a:bodyPr/>
+          <a:lstStyle/>
+          <a:p>
+            <a:r>
+              <a:rPr lang="ko-KR" altLang="en-US" dirty="0" smtClean="0"/>
+              <a:t>무적</a:t>
+            </a:r>
+            <a:endParaRPr lang="en-US" altLang="ko-KR" dirty="0" smtClean="0"/>
+          </a:p>
+          <a:p>
+            <a:r>
+              <a:rPr lang="ko-KR" altLang="en-US" dirty="0" smtClean="0"/>
+              <a:t>회복</a:t>
+            </a:r>
+            <a:endParaRPr lang="en-US" altLang="ko-KR" dirty="0" smtClean="0"/>
+          </a:p>
+          <a:p>
+            <a:r>
+              <a:rPr lang="ko-KR" altLang="en-US" dirty="0" smtClean="0"/>
+              <a:t>축복</a:t>
+            </a:r>
+            <a:endParaRPr lang="en-US" altLang="ko-KR" dirty="0"/>
+          </a:p>
+          <a:p>
+            <a:r>
+              <a:rPr lang="ko-KR" altLang="en-US" dirty="0" err="1" smtClean="0"/>
+              <a:t>레이저건</a:t>
+            </a:r>
+            <a:endParaRPr lang="en-US" altLang="ko-KR" dirty="0" smtClean="0"/>
+          </a:p>
+          <a:p>
+            <a:r>
+              <a:rPr lang="ko-KR" altLang="en-US" dirty="0" smtClean="0"/>
+              <a:t>수류탄</a:t>
+            </a:r>
+            <a:endParaRPr lang="ko-KR" altLang="en-US" dirty="0"/>
+          </a:p>
+        </p:txBody>
+      </p:sp>
+    </p:spTree>
+    <p:extLst>
+      <p:ext uri="{BB962C8B-B14F-4D97-AF65-F5344CB8AC3E}">
+        <p14:creationId xmlns:p14="http://schemas.microsoft.com/office/powerpoint/2010/main" val="2536921467"/>
+      </p:ext>
+    </p:extLst>
+  </p:cSld>
+  <p:clrMapOvr>
+    <a:masterClrMapping/>
+  </p:clrMapOvr>
+</p:sld>
+</file>
+
+<file path=ppt/slides/slide8.xml><?xml version="1.0" encoding="utf-8"?>
+<p:sld xmlns:a="http://schemas.openxmlformats.org/drawingml/2006/main" xmlns:r="http://schemas.openxmlformats.org/officeDocument/2006/relationships" xmlns:p="http://schemas.openxmlformats.org/presentationml/2006/main">
+  <p:cSld>
+    <p:spTree>
+      <p:nvGrpSpPr>
+        <p:cNvPr id="1" name=""/>
+        <p:cNvGrpSpPr/>
+        <p:nvPr/>
+      </p:nvGrpSpPr>
+      <p:grpSpPr>
+        <a:xfrm>
+          <a:off x="0" y="0"/>
+          <a:ext cx="0" cy="0"/>
+          <a:chOff x="0" y="0"/>
+          <a:chExt cx="0" cy="0"/>
+        </a:xfrm>
+      </p:grpSpPr>
+      <p:sp>
+        <p:nvSpPr>
+          <p:cNvPr id="2" name="제목 1"/>
+          <p:cNvSpPr>
+            <a:spLocks noGrp="1"/>
+          </p:cNvSpPr>
+          <p:nvPr>
+            <p:ph type="title"/>
+          </p:nvPr>
+        </p:nvSpPr>
+        <p:spPr/>
+        <p:txBody>
+          <a:bodyPr/>
+          <a:lstStyle/>
+          <a:p>
+            <a:r>
+              <a:rPr lang="ko-KR" altLang="en-US" dirty="0" smtClean="0"/>
+              <a:t>아이템</a:t>
+            </a:r>
+            <a:endParaRPr lang="ko-KR" altLang="en-US" dirty="0"/>
+          </a:p>
+        </p:txBody>
+      </p:sp>
+    </p:spTree>
+    <p:extLst>
+      <p:ext uri="{BB962C8B-B14F-4D97-AF65-F5344CB8AC3E}">
+        <p14:creationId xmlns:p14="http://schemas.microsoft.com/office/powerpoint/2010/main" val="299262621"/>
+      </p:ext>
+    </p:extLst>
+  </p:cSld>
+  <p:clrMapOvr>
+    <a:masterClrMapping/>
+  </p:clrMapOvr>
+</p:sld>
+</file>
+
 <file path=ppt/theme/theme1.xml><?xml version="1.0" encoding="utf-8"?>
 <a:theme xmlns:a="http://schemas.openxmlformats.org/drawingml/2006/main" name="Office 테마">
   <a:themeElements>

--- a/GameUIUXPrograming/Document/여우의 모험.pptx
+++ b/GameUIUXPrograming/Document/여우의 모험.pptx
@@ -11,8 +11,9 @@
     <p:sldId id="258" r:id="rId5"/>
     <p:sldId id="259" r:id="rId6"/>
     <p:sldId id="261" r:id="rId7"/>
-    <p:sldId id="263" r:id="rId8"/>
-    <p:sldId id="262" r:id="rId9"/>
+    <p:sldId id="264" r:id="rId8"/>
+    <p:sldId id="263" r:id="rId9"/>
+    <p:sldId id="262" r:id="rId10"/>
   </p:sldIdLst>
   <p:sldSz cx="12192000" cy="6858000"/>
   <p:notesSz cx="6858000" cy="9144000"/>
@@ -250,7 +251,7 @@
           <a:p>
             <a:fld id="{897D5387-F64E-41AA-8B0A-C26E8B2F567B}" type="datetimeFigureOut">
               <a:rPr lang="ko-KR" altLang="en-US" smtClean="0"/>
-              <a:t>2021-08-06</a:t>
+              <a:t>2021-08-09</a:t>
             </a:fld>
             <a:endParaRPr lang="ko-KR" altLang="en-US"/>
           </a:p>
@@ -420,7 +421,7 @@
           <a:p>
             <a:fld id="{897D5387-F64E-41AA-8B0A-C26E8B2F567B}" type="datetimeFigureOut">
               <a:rPr lang="ko-KR" altLang="en-US" smtClean="0"/>
-              <a:t>2021-08-06</a:t>
+              <a:t>2021-08-09</a:t>
             </a:fld>
             <a:endParaRPr lang="ko-KR" altLang="en-US"/>
           </a:p>
@@ -600,7 +601,7 @@
           <a:p>
             <a:fld id="{897D5387-F64E-41AA-8B0A-C26E8B2F567B}" type="datetimeFigureOut">
               <a:rPr lang="ko-KR" altLang="en-US" smtClean="0"/>
-              <a:t>2021-08-06</a:t>
+              <a:t>2021-08-09</a:t>
             </a:fld>
             <a:endParaRPr lang="ko-KR" altLang="en-US"/>
           </a:p>
@@ -770,7 +771,7 @@
           <a:p>
             <a:fld id="{897D5387-F64E-41AA-8B0A-C26E8B2F567B}" type="datetimeFigureOut">
               <a:rPr lang="ko-KR" altLang="en-US" smtClean="0"/>
-              <a:t>2021-08-06</a:t>
+              <a:t>2021-08-09</a:t>
             </a:fld>
             <a:endParaRPr lang="ko-KR" altLang="en-US"/>
           </a:p>
@@ -1016,7 +1017,7 @@
           <a:p>
             <a:fld id="{897D5387-F64E-41AA-8B0A-C26E8B2F567B}" type="datetimeFigureOut">
               <a:rPr lang="ko-KR" altLang="en-US" smtClean="0"/>
-              <a:t>2021-08-06</a:t>
+              <a:t>2021-08-09</a:t>
             </a:fld>
             <a:endParaRPr lang="ko-KR" altLang="en-US"/>
           </a:p>
@@ -1248,7 +1249,7 @@
           <a:p>
             <a:fld id="{897D5387-F64E-41AA-8B0A-C26E8B2F567B}" type="datetimeFigureOut">
               <a:rPr lang="ko-KR" altLang="en-US" smtClean="0"/>
-              <a:t>2021-08-06</a:t>
+              <a:t>2021-08-09</a:t>
             </a:fld>
             <a:endParaRPr lang="ko-KR" altLang="en-US"/>
           </a:p>
@@ -1615,7 +1616,7 @@
           <a:p>
             <a:fld id="{897D5387-F64E-41AA-8B0A-C26E8B2F567B}" type="datetimeFigureOut">
               <a:rPr lang="ko-KR" altLang="en-US" smtClean="0"/>
-              <a:t>2021-08-06</a:t>
+              <a:t>2021-08-09</a:t>
             </a:fld>
             <a:endParaRPr lang="ko-KR" altLang="en-US"/>
           </a:p>
@@ -1733,7 +1734,7 @@
           <a:p>
             <a:fld id="{897D5387-F64E-41AA-8B0A-C26E8B2F567B}" type="datetimeFigureOut">
               <a:rPr lang="ko-KR" altLang="en-US" smtClean="0"/>
-              <a:t>2021-08-06</a:t>
+              <a:t>2021-08-09</a:t>
             </a:fld>
             <a:endParaRPr lang="ko-KR" altLang="en-US"/>
           </a:p>
@@ -1828,7 +1829,7 @@
           <a:p>
             <a:fld id="{897D5387-F64E-41AA-8B0A-C26E8B2F567B}" type="datetimeFigureOut">
               <a:rPr lang="ko-KR" altLang="en-US" smtClean="0"/>
-              <a:t>2021-08-06</a:t>
+              <a:t>2021-08-09</a:t>
             </a:fld>
             <a:endParaRPr lang="ko-KR" altLang="en-US"/>
           </a:p>
@@ -2105,7 +2106,7 @@
           <a:p>
             <a:fld id="{897D5387-F64E-41AA-8B0A-C26E8B2F567B}" type="datetimeFigureOut">
               <a:rPr lang="ko-KR" altLang="en-US" smtClean="0"/>
-              <a:t>2021-08-06</a:t>
+              <a:t>2021-08-09</a:t>
             </a:fld>
             <a:endParaRPr lang="ko-KR" altLang="en-US"/>
           </a:p>
@@ -2358,7 +2359,7 @@
           <a:p>
             <a:fld id="{897D5387-F64E-41AA-8B0A-C26E8B2F567B}" type="datetimeFigureOut">
               <a:rPr lang="ko-KR" altLang="en-US" smtClean="0"/>
-              <a:t>2021-08-06</a:t>
+              <a:t>2021-08-09</a:t>
             </a:fld>
             <a:endParaRPr lang="ko-KR" altLang="en-US"/>
           </a:p>
@@ -2571,7 +2572,7 @@
           <a:p>
             <a:fld id="{897D5387-F64E-41AA-8B0A-C26E8B2F567B}" type="datetimeFigureOut">
               <a:rPr lang="ko-KR" altLang="en-US" smtClean="0"/>
-              <a:t>2021-08-06</a:t>
+              <a:t>2021-08-09</a:t>
             </a:fld>
             <a:endParaRPr lang="ko-KR" altLang="en-US"/>
           </a:p>
@@ -5248,6 +5249,18 @@
               <a:rPr lang="ko-KR" altLang="en-US" dirty="0" err="1" smtClean="0"/>
               <a:t>장면구성</a:t>
             </a:r>
+            <a:r>
+              <a:rPr lang="ko-KR" altLang="en-US" dirty="0" smtClean="0"/>
+              <a:t> </a:t>
+            </a:r>
+            <a:r>
+              <a:rPr lang="en-US" altLang="ko-KR" dirty="0" smtClean="0"/>
+              <a:t>#</a:t>
+            </a:r>
+            <a:r>
+              <a:rPr lang="ko-KR" altLang="en-US" dirty="0" err="1" smtClean="0"/>
+              <a:t>플레이화면</a:t>
+            </a:r>
             <a:endParaRPr lang="ko-KR" altLang="en-US" dirty="0"/>
           </a:p>
         </p:txBody>
@@ -5958,6 +5971,1018 @@
       </p:grpSpPr>
       <p:sp>
         <p:nvSpPr>
+          <p:cNvPr id="3" name="직사각형 2"/>
+          <p:cNvSpPr/>
+          <p:nvPr/>
+        </p:nvSpPr>
+        <p:spPr>
+          <a:xfrm>
+            <a:off x="737686" y="2074166"/>
+            <a:ext cx="6524625" cy="4210050"/>
+          </a:xfrm>
+          <a:prstGeom prst="rect">
+            <a:avLst/>
+          </a:prstGeom>
+          <a:solidFill>
+            <a:schemeClr val="accent6">
+              <a:lumMod val="40000"/>
+              <a:lumOff val="60000"/>
+            </a:schemeClr>
+          </a:solidFill>
+        </p:spPr>
+        <p:style>
+          <a:lnRef idx="2">
+            <a:schemeClr val="accent1">
+              <a:shade val="50000"/>
+            </a:schemeClr>
+          </a:lnRef>
+          <a:fillRef idx="1">
+            <a:schemeClr val="accent1"/>
+          </a:fillRef>
+          <a:effectRef idx="0">
+            <a:schemeClr val="accent1"/>
+          </a:effectRef>
+          <a:fontRef idx="minor">
+            <a:schemeClr val="lt1"/>
+          </a:fontRef>
+        </p:style>
+        <p:txBody>
+          <a:bodyPr rtlCol="0" anchor="ctr"/>
+          <a:lstStyle/>
+          <a:p>
+            <a:pPr algn="ctr"/>
+            <a:r>
+              <a:rPr lang="ko-KR" altLang="en-US" dirty="0" smtClean="0"/>
+              <a:t>장면</a:t>
+            </a:r>
+            <a:endParaRPr lang="ko-KR" altLang="en-US" dirty="0"/>
+          </a:p>
+        </p:txBody>
+      </p:sp>
+      <p:sp>
+        <p:nvSpPr>
+          <p:cNvPr id="52" name="직사각형 51"/>
+          <p:cNvSpPr/>
+          <p:nvPr/>
+        </p:nvSpPr>
+        <p:spPr>
+          <a:xfrm>
+            <a:off x="750565" y="2074166"/>
+            <a:ext cx="6524625" cy="4210050"/>
+          </a:xfrm>
+          <a:prstGeom prst="rect">
+            <a:avLst/>
+          </a:prstGeom>
+          <a:solidFill>
+            <a:schemeClr val="tx1">
+              <a:alpha val="50000"/>
+            </a:schemeClr>
+          </a:solidFill>
+        </p:spPr>
+        <p:style>
+          <a:lnRef idx="2">
+            <a:schemeClr val="accent1">
+              <a:shade val="50000"/>
+            </a:schemeClr>
+          </a:lnRef>
+          <a:fillRef idx="1">
+            <a:schemeClr val="accent1"/>
+          </a:fillRef>
+          <a:effectRef idx="0">
+            <a:schemeClr val="accent1"/>
+          </a:effectRef>
+          <a:fontRef idx="minor">
+            <a:schemeClr val="lt1"/>
+          </a:fontRef>
+        </p:style>
+        <p:txBody>
+          <a:bodyPr rtlCol="0" anchor="ctr"/>
+          <a:lstStyle/>
+          <a:p>
+            <a:pPr algn="ctr"/>
+            <a:r>
+              <a:rPr lang="ko-KR" altLang="en-US" dirty="0" smtClean="0"/>
+              <a:t>장면</a:t>
+            </a:r>
+            <a:endParaRPr lang="ko-KR" altLang="en-US" dirty="0"/>
+          </a:p>
+        </p:txBody>
+      </p:sp>
+      <p:sp>
+        <p:nvSpPr>
+          <p:cNvPr id="2" name="제목 1"/>
+          <p:cNvSpPr>
+            <a:spLocks noGrp="1"/>
+          </p:cNvSpPr>
+          <p:nvPr>
+            <p:ph type="title"/>
+          </p:nvPr>
+        </p:nvSpPr>
+        <p:spPr/>
+        <p:txBody>
+          <a:bodyPr/>
+          <a:lstStyle/>
+          <a:p>
+            <a:r>
+              <a:rPr lang="ko-KR" altLang="en-US" dirty="0" err="1" smtClean="0"/>
+              <a:t>장면구성</a:t>
+            </a:r>
+            <a:r>
+              <a:rPr lang="ko-KR" altLang="en-US" dirty="0" smtClean="0"/>
+              <a:t> </a:t>
+            </a:r>
+            <a:r>
+              <a:rPr lang="en-US" altLang="ko-KR" dirty="0" smtClean="0"/>
+              <a:t>#</a:t>
+            </a:r>
+            <a:r>
+              <a:rPr lang="ko-KR" altLang="en-US" dirty="0" err="1" smtClean="0"/>
+              <a:t>인벤토리</a:t>
+            </a:r>
+            <a:endParaRPr lang="ko-KR" altLang="en-US" dirty="0"/>
+          </a:p>
+        </p:txBody>
+      </p:sp>
+      <p:grpSp>
+        <p:nvGrpSpPr>
+          <p:cNvPr id="11" name="그룹 10"/>
+          <p:cNvGrpSpPr/>
+          <p:nvPr/>
+        </p:nvGrpSpPr>
+        <p:grpSpPr>
+          <a:xfrm>
+            <a:off x="2091410" y="2765938"/>
+            <a:ext cx="3915178" cy="2640170"/>
+            <a:chOff x="2091410" y="2765938"/>
+            <a:chExt cx="3915178" cy="2640170"/>
+          </a:xfrm>
+        </p:grpSpPr>
+        <p:sp>
+          <p:nvSpPr>
+            <p:cNvPr id="4" name="직사각형 3"/>
+            <p:cNvSpPr/>
+            <p:nvPr/>
+          </p:nvSpPr>
+          <p:spPr>
+            <a:xfrm>
+              <a:off x="2091410" y="2765938"/>
+              <a:ext cx="3915178" cy="2640169"/>
+            </a:xfrm>
+            <a:prstGeom prst="rect">
+              <a:avLst/>
+            </a:prstGeom>
+          </p:spPr>
+          <p:style>
+            <a:lnRef idx="2">
+              <a:schemeClr val="accent1">
+                <a:shade val="50000"/>
+              </a:schemeClr>
+            </a:lnRef>
+            <a:fillRef idx="1">
+              <a:schemeClr val="accent1"/>
+            </a:fillRef>
+            <a:effectRef idx="0">
+              <a:schemeClr val="accent1"/>
+            </a:effectRef>
+            <a:fontRef idx="minor">
+              <a:schemeClr val="lt1"/>
+            </a:fontRef>
+          </p:style>
+          <p:txBody>
+            <a:bodyPr rtlCol="0" anchor="ctr"/>
+            <a:lstStyle/>
+            <a:p>
+              <a:pPr algn="ctr"/>
+              <a:endParaRPr lang="ko-KR" altLang="en-US"/>
+            </a:p>
+          </p:txBody>
+        </p:sp>
+        <p:sp>
+          <p:nvSpPr>
+            <p:cNvPr id="5" name="TextBox 4"/>
+            <p:cNvSpPr txBox="1"/>
+            <p:nvPr/>
+          </p:nvSpPr>
+          <p:spPr>
+            <a:xfrm>
+              <a:off x="2091410" y="2820473"/>
+              <a:ext cx="2776804" cy="369332"/>
+            </a:xfrm>
+            <a:prstGeom prst="rect">
+              <a:avLst/>
+            </a:prstGeom>
+            <a:noFill/>
+          </p:spPr>
+          <p:txBody>
+            <a:bodyPr wrap="square" rtlCol="0">
+              <a:spAutoFit/>
+            </a:bodyPr>
+            <a:lstStyle/>
+            <a:p>
+              <a:r>
+                <a:rPr lang="en-US" altLang="ko-KR" dirty="0" smtClean="0"/>
+                <a:t>Item </a:t>
+              </a:r>
+              <a:r>
+                <a:rPr lang="en-US" altLang="ko-KR" dirty="0" err="1" smtClean="0"/>
+                <a:t>Iventory</a:t>
+              </a:r>
+              <a:endParaRPr lang="ko-KR" altLang="en-US" dirty="0"/>
+            </a:p>
+          </p:txBody>
+        </p:sp>
+        <p:sp>
+          <p:nvSpPr>
+            <p:cNvPr id="6" name="직사각형 5"/>
+            <p:cNvSpPr/>
+            <p:nvPr/>
+          </p:nvSpPr>
+          <p:spPr>
+            <a:xfrm>
+              <a:off x="2091410" y="3348507"/>
+              <a:ext cx="3915178" cy="2057600"/>
+            </a:xfrm>
+            <a:prstGeom prst="rect">
+              <a:avLst/>
+            </a:prstGeom>
+            <a:solidFill>
+              <a:schemeClr val="bg1"/>
+            </a:solidFill>
+          </p:spPr>
+          <p:style>
+            <a:lnRef idx="2">
+              <a:schemeClr val="accent1">
+                <a:shade val="50000"/>
+              </a:schemeClr>
+            </a:lnRef>
+            <a:fillRef idx="1">
+              <a:schemeClr val="accent1"/>
+            </a:fillRef>
+            <a:effectRef idx="0">
+              <a:schemeClr val="accent1"/>
+            </a:effectRef>
+            <a:fontRef idx="minor">
+              <a:schemeClr val="lt1"/>
+            </a:fontRef>
+          </p:style>
+          <p:txBody>
+            <a:bodyPr rtlCol="0" anchor="ctr"/>
+            <a:lstStyle/>
+            <a:p>
+              <a:pPr algn="ctr"/>
+              <a:endParaRPr lang="ko-KR" altLang="en-US"/>
+            </a:p>
+          </p:txBody>
+        </p:sp>
+        <p:sp>
+          <p:nvSpPr>
+            <p:cNvPr id="7" name="직사각형 6"/>
+            <p:cNvSpPr/>
+            <p:nvPr/>
+          </p:nvSpPr>
+          <p:spPr>
+            <a:xfrm>
+              <a:off x="2189408" y="3438659"/>
+              <a:ext cx="647363" cy="647363"/>
+            </a:xfrm>
+            <a:prstGeom prst="rect">
+              <a:avLst/>
+            </a:prstGeom>
+          </p:spPr>
+          <p:style>
+            <a:lnRef idx="2">
+              <a:schemeClr val="accent1">
+                <a:shade val="50000"/>
+              </a:schemeClr>
+            </a:lnRef>
+            <a:fillRef idx="1">
+              <a:schemeClr val="accent1"/>
+            </a:fillRef>
+            <a:effectRef idx="0">
+              <a:schemeClr val="accent1"/>
+            </a:effectRef>
+            <a:fontRef idx="minor">
+              <a:schemeClr val="lt1"/>
+            </a:fontRef>
+          </p:style>
+          <p:txBody>
+            <a:bodyPr rtlCol="0" anchor="ctr"/>
+            <a:lstStyle/>
+            <a:p>
+              <a:pPr algn="ctr"/>
+              <a:endParaRPr lang="ko-KR" altLang="en-US"/>
+            </a:p>
+          </p:txBody>
+        </p:sp>
+        <p:sp>
+          <p:nvSpPr>
+            <p:cNvPr id="38" name="직사각형 37"/>
+            <p:cNvSpPr/>
+            <p:nvPr/>
+          </p:nvSpPr>
+          <p:spPr>
+            <a:xfrm>
+              <a:off x="2934769" y="3438658"/>
+              <a:ext cx="647363" cy="647363"/>
+            </a:xfrm>
+            <a:prstGeom prst="rect">
+              <a:avLst/>
+            </a:prstGeom>
+          </p:spPr>
+          <p:style>
+            <a:lnRef idx="2">
+              <a:schemeClr val="accent1">
+                <a:shade val="50000"/>
+              </a:schemeClr>
+            </a:lnRef>
+            <a:fillRef idx="1">
+              <a:schemeClr val="accent1"/>
+            </a:fillRef>
+            <a:effectRef idx="0">
+              <a:schemeClr val="accent1"/>
+            </a:effectRef>
+            <a:fontRef idx="minor">
+              <a:schemeClr val="lt1"/>
+            </a:fontRef>
+          </p:style>
+          <p:txBody>
+            <a:bodyPr rtlCol="0" anchor="ctr"/>
+            <a:lstStyle/>
+            <a:p>
+              <a:pPr algn="ctr"/>
+              <a:endParaRPr lang="ko-KR" altLang="en-US"/>
+            </a:p>
+          </p:txBody>
+        </p:sp>
+        <p:sp>
+          <p:nvSpPr>
+            <p:cNvPr id="39" name="직사각형 38"/>
+            <p:cNvSpPr/>
+            <p:nvPr/>
+          </p:nvSpPr>
+          <p:spPr>
+            <a:xfrm>
+              <a:off x="3676318" y="3438658"/>
+              <a:ext cx="647363" cy="647363"/>
+            </a:xfrm>
+            <a:prstGeom prst="rect">
+              <a:avLst/>
+            </a:prstGeom>
+          </p:spPr>
+          <p:style>
+            <a:lnRef idx="2">
+              <a:schemeClr val="accent1">
+                <a:shade val="50000"/>
+              </a:schemeClr>
+            </a:lnRef>
+            <a:fillRef idx="1">
+              <a:schemeClr val="accent1"/>
+            </a:fillRef>
+            <a:effectRef idx="0">
+              <a:schemeClr val="accent1"/>
+            </a:effectRef>
+            <a:fontRef idx="minor">
+              <a:schemeClr val="lt1"/>
+            </a:fontRef>
+          </p:style>
+          <p:txBody>
+            <a:bodyPr rtlCol="0" anchor="ctr"/>
+            <a:lstStyle/>
+            <a:p>
+              <a:pPr algn="ctr"/>
+              <a:endParaRPr lang="ko-KR" altLang="en-US"/>
+            </a:p>
+          </p:txBody>
+        </p:sp>
+        <p:sp>
+          <p:nvSpPr>
+            <p:cNvPr id="40" name="직사각형 39"/>
+            <p:cNvSpPr/>
+            <p:nvPr/>
+          </p:nvSpPr>
+          <p:spPr>
+            <a:xfrm>
+              <a:off x="4421679" y="3438657"/>
+              <a:ext cx="647363" cy="647363"/>
+            </a:xfrm>
+            <a:prstGeom prst="rect">
+              <a:avLst/>
+            </a:prstGeom>
+          </p:spPr>
+          <p:style>
+            <a:lnRef idx="2">
+              <a:schemeClr val="accent1">
+                <a:shade val="50000"/>
+              </a:schemeClr>
+            </a:lnRef>
+            <a:fillRef idx="1">
+              <a:schemeClr val="accent1"/>
+            </a:fillRef>
+            <a:effectRef idx="0">
+              <a:schemeClr val="accent1"/>
+            </a:effectRef>
+            <a:fontRef idx="minor">
+              <a:schemeClr val="lt1"/>
+            </a:fontRef>
+          </p:style>
+          <p:txBody>
+            <a:bodyPr rtlCol="0" anchor="ctr"/>
+            <a:lstStyle/>
+            <a:p>
+              <a:pPr algn="ctr"/>
+              <a:endParaRPr lang="ko-KR" altLang="en-US"/>
+            </a:p>
+          </p:txBody>
+        </p:sp>
+        <p:sp>
+          <p:nvSpPr>
+            <p:cNvPr id="41" name="직사각형 40"/>
+            <p:cNvSpPr/>
+            <p:nvPr/>
+          </p:nvSpPr>
+          <p:spPr>
+            <a:xfrm>
+              <a:off x="5154677" y="3438656"/>
+              <a:ext cx="647363" cy="647363"/>
+            </a:xfrm>
+            <a:prstGeom prst="rect">
+              <a:avLst/>
+            </a:prstGeom>
+          </p:spPr>
+          <p:style>
+            <a:lnRef idx="2">
+              <a:schemeClr val="accent1">
+                <a:shade val="50000"/>
+              </a:schemeClr>
+            </a:lnRef>
+            <a:fillRef idx="1">
+              <a:schemeClr val="accent1"/>
+            </a:fillRef>
+            <a:effectRef idx="0">
+              <a:schemeClr val="accent1"/>
+            </a:effectRef>
+            <a:fontRef idx="minor">
+              <a:schemeClr val="lt1"/>
+            </a:fontRef>
+          </p:style>
+          <p:txBody>
+            <a:bodyPr rtlCol="0" anchor="ctr"/>
+            <a:lstStyle/>
+            <a:p>
+              <a:pPr algn="ctr"/>
+              <a:endParaRPr lang="ko-KR" altLang="en-US"/>
+            </a:p>
+          </p:txBody>
+        </p:sp>
+        <p:sp>
+          <p:nvSpPr>
+            <p:cNvPr id="42" name="직사각형 41"/>
+            <p:cNvSpPr/>
+            <p:nvPr/>
+          </p:nvSpPr>
+          <p:spPr>
+            <a:xfrm>
+              <a:off x="2189408" y="4179194"/>
+              <a:ext cx="647363" cy="647363"/>
+            </a:xfrm>
+            <a:prstGeom prst="rect">
+              <a:avLst/>
+            </a:prstGeom>
+          </p:spPr>
+          <p:style>
+            <a:lnRef idx="2">
+              <a:schemeClr val="accent1">
+                <a:shade val="50000"/>
+              </a:schemeClr>
+            </a:lnRef>
+            <a:fillRef idx="1">
+              <a:schemeClr val="accent1"/>
+            </a:fillRef>
+            <a:effectRef idx="0">
+              <a:schemeClr val="accent1"/>
+            </a:effectRef>
+            <a:fontRef idx="minor">
+              <a:schemeClr val="lt1"/>
+            </a:fontRef>
+          </p:style>
+          <p:txBody>
+            <a:bodyPr rtlCol="0" anchor="ctr"/>
+            <a:lstStyle/>
+            <a:p>
+              <a:pPr algn="ctr"/>
+              <a:endParaRPr lang="ko-KR" altLang="en-US"/>
+            </a:p>
+          </p:txBody>
+        </p:sp>
+        <p:sp>
+          <p:nvSpPr>
+            <p:cNvPr id="43" name="직사각형 42"/>
+            <p:cNvSpPr/>
+            <p:nvPr/>
+          </p:nvSpPr>
+          <p:spPr>
+            <a:xfrm>
+              <a:off x="2934769" y="4179193"/>
+              <a:ext cx="647363" cy="647363"/>
+            </a:xfrm>
+            <a:prstGeom prst="rect">
+              <a:avLst/>
+            </a:prstGeom>
+          </p:spPr>
+          <p:style>
+            <a:lnRef idx="2">
+              <a:schemeClr val="accent1">
+                <a:shade val="50000"/>
+              </a:schemeClr>
+            </a:lnRef>
+            <a:fillRef idx="1">
+              <a:schemeClr val="accent1"/>
+            </a:fillRef>
+            <a:effectRef idx="0">
+              <a:schemeClr val="accent1"/>
+            </a:effectRef>
+            <a:fontRef idx="minor">
+              <a:schemeClr val="lt1"/>
+            </a:fontRef>
+          </p:style>
+          <p:txBody>
+            <a:bodyPr rtlCol="0" anchor="ctr"/>
+            <a:lstStyle/>
+            <a:p>
+              <a:pPr algn="ctr"/>
+              <a:endParaRPr lang="ko-KR" altLang="en-US"/>
+            </a:p>
+          </p:txBody>
+        </p:sp>
+        <p:sp>
+          <p:nvSpPr>
+            <p:cNvPr id="44" name="직사각형 43"/>
+            <p:cNvSpPr/>
+            <p:nvPr/>
+          </p:nvSpPr>
+          <p:spPr>
+            <a:xfrm>
+              <a:off x="3676318" y="4179193"/>
+              <a:ext cx="647363" cy="647363"/>
+            </a:xfrm>
+            <a:prstGeom prst="rect">
+              <a:avLst/>
+            </a:prstGeom>
+          </p:spPr>
+          <p:style>
+            <a:lnRef idx="2">
+              <a:schemeClr val="accent1">
+                <a:shade val="50000"/>
+              </a:schemeClr>
+            </a:lnRef>
+            <a:fillRef idx="1">
+              <a:schemeClr val="accent1"/>
+            </a:fillRef>
+            <a:effectRef idx="0">
+              <a:schemeClr val="accent1"/>
+            </a:effectRef>
+            <a:fontRef idx="minor">
+              <a:schemeClr val="lt1"/>
+            </a:fontRef>
+          </p:style>
+          <p:txBody>
+            <a:bodyPr rtlCol="0" anchor="ctr"/>
+            <a:lstStyle/>
+            <a:p>
+              <a:pPr algn="ctr"/>
+              <a:endParaRPr lang="ko-KR" altLang="en-US"/>
+            </a:p>
+          </p:txBody>
+        </p:sp>
+        <p:sp>
+          <p:nvSpPr>
+            <p:cNvPr id="45" name="직사각형 44"/>
+            <p:cNvSpPr/>
+            <p:nvPr/>
+          </p:nvSpPr>
+          <p:spPr>
+            <a:xfrm>
+              <a:off x="4421679" y="4179192"/>
+              <a:ext cx="647363" cy="647363"/>
+            </a:xfrm>
+            <a:prstGeom prst="rect">
+              <a:avLst/>
+            </a:prstGeom>
+          </p:spPr>
+          <p:style>
+            <a:lnRef idx="2">
+              <a:schemeClr val="accent1">
+                <a:shade val="50000"/>
+              </a:schemeClr>
+            </a:lnRef>
+            <a:fillRef idx="1">
+              <a:schemeClr val="accent1"/>
+            </a:fillRef>
+            <a:effectRef idx="0">
+              <a:schemeClr val="accent1"/>
+            </a:effectRef>
+            <a:fontRef idx="minor">
+              <a:schemeClr val="lt1"/>
+            </a:fontRef>
+          </p:style>
+          <p:txBody>
+            <a:bodyPr rtlCol="0" anchor="ctr"/>
+            <a:lstStyle/>
+            <a:p>
+              <a:pPr algn="ctr"/>
+              <a:endParaRPr lang="ko-KR" altLang="en-US"/>
+            </a:p>
+          </p:txBody>
+        </p:sp>
+        <p:sp>
+          <p:nvSpPr>
+            <p:cNvPr id="46" name="직사각형 45"/>
+            <p:cNvSpPr/>
+            <p:nvPr/>
+          </p:nvSpPr>
+          <p:spPr>
+            <a:xfrm>
+              <a:off x="5154677" y="4179191"/>
+              <a:ext cx="647363" cy="647363"/>
+            </a:xfrm>
+            <a:prstGeom prst="rect">
+              <a:avLst/>
+            </a:prstGeom>
+          </p:spPr>
+          <p:style>
+            <a:lnRef idx="2">
+              <a:schemeClr val="accent1">
+                <a:shade val="50000"/>
+              </a:schemeClr>
+            </a:lnRef>
+            <a:fillRef idx="1">
+              <a:schemeClr val="accent1"/>
+            </a:fillRef>
+            <a:effectRef idx="0">
+              <a:schemeClr val="accent1"/>
+            </a:effectRef>
+            <a:fontRef idx="minor">
+              <a:schemeClr val="lt1"/>
+            </a:fontRef>
+          </p:style>
+          <p:txBody>
+            <a:bodyPr rtlCol="0" anchor="ctr"/>
+            <a:lstStyle/>
+            <a:p>
+              <a:pPr algn="ctr"/>
+              <a:endParaRPr lang="ko-KR" altLang="en-US"/>
+            </a:p>
+          </p:txBody>
+        </p:sp>
+        <p:sp>
+          <p:nvSpPr>
+            <p:cNvPr id="47" name="직사각형 46"/>
+            <p:cNvSpPr/>
+            <p:nvPr/>
+          </p:nvSpPr>
+          <p:spPr>
+            <a:xfrm>
+              <a:off x="2202287" y="4917448"/>
+              <a:ext cx="647363" cy="488660"/>
+            </a:xfrm>
+            <a:prstGeom prst="rect">
+              <a:avLst/>
+            </a:prstGeom>
+          </p:spPr>
+          <p:style>
+            <a:lnRef idx="2">
+              <a:schemeClr val="accent1">
+                <a:shade val="50000"/>
+              </a:schemeClr>
+            </a:lnRef>
+            <a:fillRef idx="1">
+              <a:schemeClr val="accent1"/>
+            </a:fillRef>
+            <a:effectRef idx="0">
+              <a:schemeClr val="accent1"/>
+            </a:effectRef>
+            <a:fontRef idx="minor">
+              <a:schemeClr val="lt1"/>
+            </a:fontRef>
+          </p:style>
+          <p:txBody>
+            <a:bodyPr rtlCol="0" anchor="ctr"/>
+            <a:lstStyle/>
+            <a:p>
+              <a:pPr algn="ctr"/>
+              <a:endParaRPr lang="ko-KR" altLang="en-US"/>
+            </a:p>
+          </p:txBody>
+        </p:sp>
+        <p:sp>
+          <p:nvSpPr>
+            <p:cNvPr id="48" name="직사각형 47"/>
+            <p:cNvSpPr/>
+            <p:nvPr/>
+          </p:nvSpPr>
+          <p:spPr>
+            <a:xfrm>
+              <a:off x="2947648" y="4917446"/>
+              <a:ext cx="647363" cy="488661"/>
+            </a:xfrm>
+            <a:prstGeom prst="rect">
+              <a:avLst/>
+            </a:prstGeom>
+          </p:spPr>
+          <p:style>
+            <a:lnRef idx="2">
+              <a:schemeClr val="accent1">
+                <a:shade val="50000"/>
+              </a:schemeClr>
+            </a:lnRef>
+            <a:fillRef idx="1">
+              <a:schemeClr val="accent1"/>
+            </a:fillRef>
+            <a:effectRef idx="0">
+              <a:schemeClr val="accent1"/>
+            </a:effectRef>
+            <a:fontRef idx="minor">
+              <a:schemeClr val="lt1"/>
+            </a:fontRef>
+          </p:style>
+          <p:txBody>
+            <a:bodyPr rtlCol="0" anchor="ctr"/>
+            <a:lstStyle/>
+            <a:p>
+              <a:pPr algn="ctr"/>
+              <a:endParaRPr lang="ko-KR" altLang="en-US"/>
+            </a:p>
+          </p:txBody>
+        </p:sp>
+        <p:sp>
+          <p:nvSpPr>
+            <p:cNvPr id="49" name="직사각형 48"/>
+            <p:cNvSpPr/>
+            <p:nvPr/>
+          </p:nvSpPr>
+          <p:spPr>
+            <a:xfrm>
+              <a:off x="3689197" y="4917446"/>
+              <a:ext cx="647363" cy="488661"/>
+            </a:xfrm>
+            <a:prstGeom prst="rect">
+              <a:avLst/>
+            </a:prstGeom>
+          </p:spPr>
+          <p:style>
+            <a:lnRef idx="2">
+              <a:schemeClr val="accent1">
+                <a:shade val="50000"/>
+              </a:schemeClr>
+            </a:lnRef>
+            <a:fillRef idx="1">
+              <a:schemeClr val="accent1"/>
+            </a:fillRef>
+            <a:effectRef idx="0">
+              <a:schemeClr val="accent1"/>
+            </a:effectRef>
+            <a:fontRef idx="minor">
+              <a:schemeClr val="lt1"/>
+            </a:fontRef>
+          </p:style>
+          <p:txBody>
+            <a:bodyPr rtlCol="0" anchor="ctr"/>
+            <a:lstStyle/>
+            <a:p>
+              <a:pPr algn="ctr"/>
+              <a:endParaRPr lang="ko-KR" altLang="en-US"/>
+            </a:p>
+          </p:txBody>
+        </p:sp>
+        <p:sp>
+          <p:nvSpPr>
+            <p:cNvPr id="50" name="직사각형 49"/>
+            <p:cNvSpPr/>
+            <p:nvPr/>
+          </p:nvSpPr>
+          <p:spPr>
+            <a:xfrm>
+              <a:off x="4434558" y="4917446"/>
+              <a:ext cx="647363" cy="488662"/>
+            </a:xfrm>
+            <a:prstGeom prst="rect">
+              <a:avLst/>
+            </a:prstGeom>
+          </p:spPr>
+          <p:style>
+            <a:lnRef idx="2">
+              <a:schemeClr val="accent1">
+                <a:shade val="50000"/>
+              </a:schemeClr>
+            </a:lnRef>
+            <a:fillRef idx="1">
+              <a:schemeClr val="accent1"/>
+            </a:fillRef>
+            <a:effectRef idx="0">
+              <a:schemeClr val="accent1"/>
+            </a:effectRef>
+            <a:fontRef idx="minor">
+              <a:schemeClr val="lt1"/>
+            </a:fontRef>
+          </p:style>
+          <p:txBody>
+            <a:bodyPr rtlCol="0" anchor="ctr"/>
+            <a:lstStyle/>
+            <a:p>
+              <a:pPr algn="ctr"/>
+              <a:endParaRPr lang="ko-KR" altLang="en-US"/>
+            </a:p>
+          </p:txBody>
+        </p:sp>
+        <p:sp>
+          <p:nvSpPr>
+            <p:cNvPr id="51" name="직사각형 50"/>
+            <p:cNvSpPr/>
+            <p:nvPr/>
+          </p:nvSpPr>
+          <p:spPr>
+            <a:xfrm>
+              <a:off x="5167556" y="4917444"/>
+              <a:ext cx="647363" cy="488663"/>
+            </a:xfrm>
+            <a:prstGeom prst="rect">
+              <a:avLst/>
+            </a:prstGeom>
+          </p:spPr>
+          <p:style>
+            <a:lnRef idx="2">
+              <a:schemeClr val="accent1">
+                <a:shade val="50000"/>
+              </a:schemeClr>
+            </a:lnRef>
+            <a:fillRef idx="1">
+              <a:schemeClr val="accent1"/>
+            </a:fillRef>
+            <a:effectRef idx="0">
+              <a:schemeClr val="accent1"/>
+            </a:effectRef>
+            <a:fontRef idx="minor">
+              <a:schemeClr val="lt1"/>
+            </a:fontRef>
+          </p:style>
+          <p:txBody>
+            <a:bodyPr rtlCol="0" anchor="ctr"/>
+            <a:lstStyle/>
+            <a:p>
+              <a:pPr algn="ctr"/>
+              <a:endParaRPr lang="ko-KR" altLang="en-US"/>
+            </a:p>
+          </p:txBody>
+        </p:sp>
+      </p:grpSp>
+      <p:sp>
+        <p:nvSpPr>
+          <p:cNvPr id="8" name="위쪽/아래쪽 화살표 7"/>
+          <p:cNvSpPr/>
+          <p:nvPr/>
+        </p:nvSpPr>
+        <p:spPr>
+          <a:xfrm>
+            <a:off x="6117465" y="3438656"/>
+            <a:ext cx="425003" cy="2060623"/>
+          </a:xfrm>
+          <a:prstGeom prst="upDownArrow">
+            <a:avLst/>
+          </a:prstGeom>
+        </p:spPr>
+        <p:style>
+          <a:lnRef idx="2">
+            <a:schemeClr val="accent1">
+              <a:shade val="50000"/>
+            </a:schemeClr>
+          </a:lnRef>
+          <a:fillRef idx="1">
+            <a:schemeClr val="accent1"/>
+          </a:fillRef>
+          <a:effectRef idx="0">
+            <a:schemeClr val="accent1"/>
+          </a:effectRef>
+          <a:fontRef idx="minor">
+            <a:schemeClr val="lt1"/>
+          </a:fontRef>
+        </p:style>
+        <p:txBody>
+          <a:bodyPr rtlCol="0" anchor="ctr"/>
+          <a:lstStyle/>
+          <a:p>
+            <a:pPr algn="ctr"/>
+            <a:r>
+              <a:rPr lang="ko-KR" altLang="en-US" dirty="0" err="1" smtClean="0"/>
+              <a:t>스크롤가능</a:t>
+            </a:r>
+            <a:endParaRPr lang="ko-KR" altLang="en-US" dirty="0"/>
+          </a:p>
+        </p:txBody>
+      </p:sp>
+      <p:sp>
+        <p:nvSpPr>
+          <p:cNvPr id="9" name="TextBox 8"/>
+          <p:cNvSpPr txBox="1"/>
+          <p:nvPr/>
+        </p:nvSpPr>
+        <p:spPr>
+          <a:xfrm>
+            <a:off x="7362829" y="1980998"/>
+            <a:ext cx="4764776" cy="923330"/>
+          </a:xfrm>
+          <a:prstGeom prst="rect">
+            <a:avLst/>
+          </a:prstGeom>
+          <a:noFill/>
+        </p:spPr>
+        <p:txBody>
+          <a:bodyPr wrap="square" rtlCol="0">
+            <a:spAutoFit/>
+          </a:bodyPr>
+          <a:lstStyle/>
+          <a:p>
+            <a:pPr marL="285750" indent="-285750">
+              <a:buFont typeface="Arial" panose="020B0604020202020204" pitchFamily="34" charset="0"/>
+              <a:buChar char="•"/>
+            </a:pPr>
+            <a:r>
+              <a:rPr lang="ko-KR" altLang="en-US" dirty="0" err="1" smtClean="0"/>
+              <a:t>팝업창이고</a:t>
+            </a:r>
+            <a:r>
+              <a:rPr lang="en-US" altLang="ko-KR" dirty="0" smtClean="0"/>
+              <a:t>, </a:t>
+            </a:r>
+            <a:r>
+              <a:rPr lang="ko-KR" altLang="en-US" dirty="0" err="1" smtClean="0"/>
+              <a:t>열린동안</a:t>
+            </a:r>
+            <a:r>
+              <a:rPr lang="ko-KR" altLang="en-US" dirty="0" smtClean="0"/>
+              <a:t> 게임화면은 </a:t>
+            </a:r>
+            <a:r>
+              <a:rPr lang="ko-KR" altLang="en-US" dirty="0" err="1" smtClean="0"/>
+              <a:t>조작할수</a:t>
+            </a:r>
+            <a:r>
+              <a:rPr lang="ko-KR" altLang="en-US" dirty="0" smtClean="0"/>
+              <a:t> 없다</a:t>
+            </a:r>
+            <a:r>
+              <a:rPr lang="en-US" altLang="ko-KR" dirty="0" smtClean="0"/>
+              <a:t>.</a:t>
+            </a:r>
+          </a:p>
+          <a:p>
+            <a:pPr marL="285750" indent="-285750">
+              <a:buFont typeface="Arial" panose="020B0604020202020204" pitchFamily="34" charset="0"/>
+              <a:buChar char="•"/>
+            </a:pPr>
+            <a:r>
+              <a:rPr lang="ko-KR" altLang="en-US" dirty="0" smtClean="0"/>
+              <a:t>스크롤을 내려 아래 아이템을 볼 수 있다</a:t>
+            </a:r>
+            <a:r>
+              <a:rPr lang="en-US" altLang="ko-KR" dirty="0" smtClean="0"/>
+              <a:t>.</a:t>
+            </a:r>
+            <a:endParaRPr lang="ko-KR" altLang="en-US" dirty="0"/>
+          </a:p>
+        </p:txBody>
+      </p:sp>
+    </p:spTree>
+    <p:extLst>
+      <p:ext uri="{BB962C8B-B14F-4D97-AF65-F5344CB8AC3E}">
+        <p14:creationId xmlns:p14="http://schemas.microsoft.com/office/powerpoint/2010/main" val="3456389825"/>
+      </p:ext>
+    </p:extLst>
+  </p:cSld>
+  <p:clrMapOvr>
+    <a:masterClrMapping/>
+  </p:clrMapOvr>
+</p:sld>
+</file>
+
+<file path=ppt/slides/slide8.xml><?xml version="1.0" encoding="utf-8"?>
+<p:sld xmlns:a="http://schemas.openxmlformats.org/drawingml/2006/main" xmlns:r="http://schemas.openxmlformats.org/officeDocument/2006/relationships" xmlns:p="http://schemas.openxmlformats.org/presentationml/2006/main">
+  <p:cSld>
+    <p:spTree>
+      <p:nvGrpSpPr>
+        <p:cNvPr id="1" name=""/>
+        <p:cNvGrpSpPr/>
+        <p:nvPr/>
+      </p:nvGrpSpPr>
+      <p:grpSpPr>
+        <a:xfrm>
+          <a:off x="0" y="0"/>
+          <a:ext cx="0" cy="0"/>
+          <a:chOff x="0" y="0"/>
+          <a:chExt cx="0" cy="0"/>
+        </a:xfrm>
+      </p:grpSpPr>
+      <p:sp>
+        <p:nvSpPr>
           <p:cNvPr id="2" name="제목 1"/>
           <p:cNvSpPr>
             <a:spLocks noGrp="1"/>
@@ -6043,7 +7068,7 @@
 </p:sld>
 </file>
 
-<file path=ppt/slides/slide8.xml><?xml version="1.0" encoding="utf-8"?>
+<file path=ppt/slides/slide9.xml><?xml version="1.0" encoding="utf-8"?>
 <p:sld xmlns:a="http://schemas.openxmlformats.org/drawingml/2006/main" xmlns:r="http://schemas.openxmlformats.org/officeDocument/2006/relationships" xmlns:p="http://schemas.openxmlformats.org/presentationml/2006/main">
   <p:cSld>
     <p:spTree>

--- a/GameUIUXPrograming/Document/여우의 모험.pptx
+++ b/GameUIUXPrograming/Document/여우의 모험.pptx
@@ -14,6 +14,7 @@
     <p:sldId id="264" r:id="rId8"/>
     <p:sldId id="263" r:id="rId9"/>
     <p:sldId id="262" r:id="rId10"/>
+    <p:sldId id="265" r:id="rId11"/>
   </p:sldIdLst>
   <p:sldSz cx="12192000" cy="6858000"/>
   <p:notesSz cx="6858000" cy="9144000"/>
@@ -251,7 +252,7 @@
           <a:p>
             <a:fld id="{897D5387-F64E-41AA-8B0A-C26E8B2F567B}" type="datetimeFigureOut">
               <a:rPr lang="ko-KR" altLang="en-US" smtClean="0"/>
-              <a:t>2021-08-09</a:t>
+              <a:t>2021-08-13</a:t>
             </a:fld>
             <a:endParaRPr lang="ko-KR" altLang="en-US"/>
           </a:p>
@@ -421,7 +422,7 @@
           <a:p>
             <a:fld id="{897D5387-F64E-41AA-8B0A-C26E8B2F567B}" type="datetimeFigureOut">
               <a:rPr lang="ko-KR" altLang="en-US" smtClean="0"/>
-              <a:t>2021-08-09</a:t>
+              <a:t>2021-08-13</a:t>
             </a:fld>
             <a:endParaRPr lang="ko-KR" altLang="en-US"/>
           </a:p>
@@ -601,7 +602,7 @@
           <a:p>
             <a:fld id="{897D5387-F64E-41AA-8B0A-C26E8B2F567B}" type="datetimeFigureOut">
               <a:rPr lang="ko-KR" altLang="en-US" smtClean="0"/>
-              <a:t>2021-08-09</a:t>
+              <a:t>2021-08-13</a:t>
             </a:fld>
             <a:endParaRPr lang="ko-KR" altLang="en-US"/>
           </a:p>
@@ -771,7 +772,7 @@
           <a:p>
             <a:fld id="{897D5387-F64E-41AA-8B0A-C26E8B2F567B}" type="datetimeFigureOut">
               <a:rPr lang="ko-KR" altLang="en-US" smtClean="0"/>
-              <a:t>2021-08-09</a:t>
+              <a:t>2021-08-13</a:t>
             </a:fld>
             <a:endParaRPr lang="ko-KR" altLang="en-US"/>
           </a:p>
@@ -1017,7 +1018,7 @@
           <a:p>
             <a:fld id="{897D5387-F64E-41AA-8B0A-C26E8B2F567B}" type="datetimeFigureOut">
               <a:rPr lang="ko-KR" altLang="en-US" smtClean="0"/>
-              <a:t>2021-08-09</a:t>
+              <a:t>2021-08-13</a:t>
             </a:fld>
             <a:endParaRPr lang="ko-KR" altLang="en-US"/>
           </a:p>
@@ -1249,7 +1250,7 @@
           <a:p>
             <a:fld id="{897D5387-F64E-41AA-8B0A-C26E8B2F567B}" type="datetimeFigureOut">
               <a:rPr lang="ko-KR" altLang="en-US" smtClean="0"/>
-              <a:t>2021-08-09</a:t>
+              <a:t>2021-08-13</a:t>
             </a:fld>
             <a:endParaRPr lang="ko-KR" altLang="en-US"/>
           </a:p>
@@ -1616,7 +1617,7 @@
           <a:p>
             <a:fld id="{897D5387-F64E-41AA-8B0A-C26E8B2F567B}" type="datetimeFigureOut">
               <a:rPr lang="ko-KR" altLang="en-US" smtClean="0"/>
-              <a:t>2021-08-09</a:t>
+              <a:t>2021-08-13</a:t>
             </a:fld>
             <a:endParaRPr lang="ko-KR" altLang="en-US"/>
           </a:p>
@@ -1734,7 +1735,7 @@
           <a:p>
             <a:fld id="{897D5387-F64E-41AA-8B0A-C26E8B2F567B}" type="datetimeFigureOut">
               <a:rPr lang="ko-KR" altLang="en-US" smtClean="0"/>
-              <a:t>2021-08-09</a:t>
+              <a:t>2021-08-13</a:t>
             </a:fld>
             <a:endParaRPr lang="ko-KR" altLang="en-US"/>
           </a:p>
@@ -1829,7 +1830,7 @@
           <a:p>
             <a:fld id="{897D5387-F64E-41AA-8B0A-C26E8B2F567B}" type="datetimeFigureOut">
               <a:rPr lang="ko-KR" altLang="en-US" smtClean="0"/>
-              <a:t>2021-08-09</a:t>
+              <a:t>2021-08-13</a:t>
             </a:fld>
             <a:endParaRPr lang="ko-KR" altLang="en-US"/>
           </a:p>
@@ -2106,7 +2107,7 @@
           <a:p>
             <a:fld id="{897D5387-F64E-41AA-8B0A-C26E8B2F567B}" type="datetimeFigureOut">
               <a:rPr lang="ko-KR" altLang="en-US" smtClean="0"/>
-              <a:t>2021-08-09</a:t>
+              <a:t>2021-08-13</a:t>
             </a:fld>
             <a:endParaRPr lang="ko-KR" altLang="en-US"/>
           </a:p>
@@ -2359,7 +2360,7 @@
           <a:p>
             <a:fld id="{897D5387-F64E-41AA-8B0A-C26E8B2F567B}" type="datetimeFigureOut">
               <a:rPr lang="ko-KR" altLang="en-US" smtClean="0"/>
-              <a:t>2021-08-09</a:t>
+              <a:t>2021-08-13</a:t>
             </a:fld>
             <a:endParaRPr lang="ko-KR" altLang="en-US"/>
           </a:p>
@@ -2572,7 +2573,7 @@
           <a:p>
             <a:fld id="{897D5387-F64E-41AA-8B0A-C26E8B2F567B}" type="datetimeFigureOut">
               <a:rPr lang="ko-KR" altLang="en-US" smtClean="0"/>
-              <a:t>2021-08-09</a:t>
+              <a:t>2021-08-13</a:t>
             </a:fld>
             <a:endParaRPr lang="ko-KR" altLang="en-US"/>
           </a:p>
@@ -3089,6 +3090,287 @@
 </p:sld>
 </file>
 
+<file path=ppt/slides/slide10.xml><?xml version="1.0" encoding="utf-8"?>
+<p:sld xmlns:a="http://schemas.openxmlformats.org/drawingml/2006/main" xmlns:r="http://schemas.openxmlformats.org/officeDocument/2006/relationships" xmlns:p="http://schemas.openxmlformats.org/presentationml/2006/main">
+  <p:cSld>
+    <p:spTree>
+      <p:nvGrpSpPr>
+        <p:cNvPr id="1" name=""/>
+        <p:cNvGrpSpPr/>
+        <p:nvPr/>
+      </p:nvGrpSpPr>
+      <p:grpSpPr>
+        <a:xfrm>
+          <a:off x="0" y="0"/>
+          <a:ext cx="0" cy="0"/>
+          <a:chOff x="0" y="0"/>
+          <a:chExt cx="0" cy="0"/>
+        </a:xfrm>
+      </p:grpSpPr>
+      <p:pic>
+        <p:nvPicPr>
+          <p:cNvPr id="4" name="그림 3"/>
+          <p:cNvPicPr>
+            <a:picLocks noChangeAspect="1"/>
+          </p:cNvPicPr>
+          <p:nvPr/>
+        </p:nvPicPr>
+        <p:blipFill>
+          <a:blip r:embed="rId2"/>
+          <a:stretch>
+            <a:fillRect/>
+          </a:stretch>
+        </p:blipFill>
+        <p:spPr>
+          <a:xfrm>
+            <a:off x="9800535" y="791456"/>
+            <a:ext cx="1661206" cy="5626894"/>
+          </a:xfrm>
+          <a:prstGeom prst="rect">
+            <a:avLst/>
+          </a:prstGeom>
+        </p:spPr>
+      </p:pic>
+      <p:pic>
+        <p:nvPicPr>
+          <p:cNvPr id="6" name="그림 5"/>
+          <p:cNvPicPr>
+            <a:picLocks noChangeAspect="1"/>
+          </p:cNvPicPr>
+          <p:nvPr/>
+        </p:nvPicPr>
+        <p:blipFill>
+          <a:blip r:embed="rId3"/>
+          <a:stretch>
+            <a:fillRect/>
+          </a:stretch>
+        </p:blipFill>
+        <p:spPr>
+          <a:xfrm>
+            <a:off x="3875078" y="2197063"/>
+            <a:ext cx="1552575" cy="2419350"/>
+          </a:xfrm>
+          <a:prstGeom prst="rect">
+            <a:avLst/>
+          </a:prstGeom>
+        </p:spPr>
+      </p:pic>
+      <p:pic>
+        <p:nvPicPr>
+          <p:cNvPr id="7" name="그림 6"/>
+          <p:cNvPicPr>
+            <a:picLocks noChangeAspect="1"/>
+          </p:cNvPicPr>
+          <p:nvPr/>
+        </p:nvPicPr>
+        <p:blipFill>
+          <a:blip r:embed="rId4"/>
+          <a:stretch>
+            <a:fillRect/>
+          </a:stretch>
+        </p:blipFill>
+        <p:spPr>
+          <a:xfrm>
+            <a:off x="5911668" y="1511975"/>
+            <a:ext cx="1552575" cy="2952750"/>
+          </a:xfrm>
+          <a:prstGeom prst="rect">
+            <a:avLst/>
+          </a:prstGeom>
+        </p:spPr>
+      </p:pic>
+      <p:pic>
+        <p:nvPicPr>
+          <p:cNvPr id="8" name="그림 7"/>
+          <p:cNvPicPr>
+            <a:picLocks noChangeAspect="1"/>
+          </p:cNvPicPr>
+          <p:nvPr/>
+        </p:nvPicPr>
+        <p:blipFill>
+          <a:blip r:embed="rId5"/>
+          <a:stretch>
+            <a:fillRect/>
+          </a:stretch>
+        </p:blipFill>
+        <p:spPr>
+          <a:xfrm>
+            <a:off x="7979783" y="3659224"/>
+            <a:ext cx="1552575" cy="2419350"/>
+          </a:xfrm>
+          <a:prstGeom prst="rect">
+            <a:avLst/>
+          </a:prstGeom>
+        </p:spPr>
+      </p:pic>
+      <p:cxnSp>
+        <p:nvCxnSpPr>
+          <p:cNvPr id="10" name="직선 화살표 연결선 9"/>
+          <p:cNvCxnSpPr/>
+          <p:nvPr/>
+        </p:nvCxnSpPr>
+        <p:spPr>
+          <a:xfrm>
+            <a:off x="5210063" y="2552008"/>
+            <a:ext cx="933041" cy="0"/>
+          </a:xfrm>
+          <a:prstGeom prst="straightConnector1">
+            <a:avLst/>
+          </a:prstGeom>
+          <a:ln>
+            <a:tailEnd type="triangle"/>
+          </a:ln>
+        </p:spPr>
+        <p:style>
+          <a:lnRef idx="1">
+            <a:schemeClr val="accent1"/>
+          </a:lnRef>
+          <a:fillRef idx="0">
+            <a:schemeClr val="accent1"/>
+          </a:fillRef>
+          <a:effectRef idx="0">
+            <a:schemeClr val="accent1"/>
+          </a:effectRef>
+          <a:fontRef idx="minor">
+            <a:schemeClr val="tx1"/>
+          </a:fontRef>
+        </p:style>
+      </p:cxnSp>
+      <p:cxnSp>
+        <p:nvCxnSpPr>
+          <p:cNvPr id="13" name="직선 화살표 연결선 12"/>
+          <p:cNvCxnSpPr/>
+          <p:nvPr/>
+        </p:nvCxnSpPr>
+        <p:spPr>
+          <a:xfrm flipH="1" flipV="1">
+            <a:off x="7074131" y="3882850"/>
+            <a:ext cx="1099411" cy="28894"/>
+          </a:xfrm>
+          <a:prstGeom prst="straightConnector1">
+            <a:avLst/>
+          </a:prstGeom>
+          <a:ln>
+            <a:tailEnd type="triangle"/>
+          </a:ln>
+        </p:spPr>
+        <p:style>
+          <a:lnRef idx="1">
+            <a:schemeClr val="accent1"/>
+          </a:lnRef>
+          <a:fillRef idx="0">
+            <a:schemeClr val="accent1"/>
+          </a:fillRef>
+          <a:effectRef idx="0">
+            <a:schemeClr val="accent1"/>
+          </a:effectRef>
+          <a:fontRef idx="minor">
+            <a:schemeClr val="tx1"/>
+          </a:fontRef>
+        </p:style>
+      </p:cxnSp>
+      <p:cxnSp>
+        <p:nvCxnSpPr>
+          <p:cNvPr id="18" name="직선 화살표 연결선 17"/>
+          <p:cNvCxnSpPr/>
+          <p:nvPr/>
+        </p:nvCxnSpPr>
+        <p:spPr>
+          <a:xfrm>
+            <a:off x="7248405" y="1935385"/>
+            <a:ext cx="2735179" cy="26420"/>
+          </a:xfrm>
+          <a:prstGeom prst="straightConnector1">
+            <a:avLst/>
+          </a:prstGeom>
+          <a:ln>
+            <a:tailEnd type="triangle"/>
+          </a:ln>
+        </p:spPr>
+        <p:style>
+          <a:lnRef idx="1">
+            <a:schemeClr val="accent1"/>
+          </a:lnRef>
+          <a:fillRef idx="0">
+            <a:schemeClr val="accent1"/>
+          </a:fillRef>
+          <a:effectRef idx="0">
+            <a:schemeClr val="accent1"/>
+          </a:effectRef>
+          <a:fontRef idx="minor">
+            <a:schemeClr val="tx1"/>
+          </a:fontRef>
+        </p:style>
+      </p:cxnSp>
+      <p:cxnSp>
+        <p:nvCxnSpPr>
+          <p:cNvPr id="32" name="직선 화살표 연결선 31"/>
+          <p:cNvCxnSpPr/>
+          <p:nvPr/>
+        </p:nvCxnSpPr>
+        <p:spPr>
+          <a:xfrm flipV="1">
+            <a:off x="9302422" y="2635136"/>
+            <a:ext cx="690437" cy="1276608"/>
+          </a:xfrm>
+          <a:prstGeom prst="straightConnector1">
+            <a:avLst/>
+          </a:prstGeom>
+          <a:ln>
+            <a:tailEnd type="triangle"/>
+          </a:ln>
+        </p:spPr>
+        <p:style>
+          <a:lnRef idx="1">
+            <a:schemeClr val="accent1"/>
+          </a:lnRef>
+          <a:fillRef idx="0">
+            <a:schemeClr val="accent1"/>
+          </a:fillRef>
+          <a:effectRef idx="0">
+            <a:schemeClr val="accent1"/>
+          </a:effectRef>
+          <a:fontRef idx="minor">
+            <a:schemeClr val="tx1"/>
+          </a:fontRef>
+        </p:style>
+      </p:cxnSp>
+      <p:sp>
+        <p:nvSpPr>
+          <p:cNvPr id="40" name="제목 39"/>
+          <p:cNvSpPr>
+            <a:spLocks noGrp="1"/>
+          </p:cNvSpPr>
+          <p:nvPr>
+            <p:ph type="title"/>
+          </p:nvPr>
+        </p:nvSpPr>
+        <p:spPr/>
+        <p:txBody>
+          <a:bodyPr/>
+          <a:lstStyle/>
+          <a:p>
+            <a:r>
+              <a:rPr lang="ko-KR" altLang="en-US" dirty="0" err="1" smtClean="0"/>
+              <a:t>인벤토리구성</a:t>
+            </a:r>
+            <a:endParaRPr lang="ko-KR" altLang="en-US" dirty="0"/>
+          </a:p>
+        </p:txBody>
+      </p:sp>
+    </p:spTree>
+    <p:extLst>
+      <p:ext uri="{BB962C8B-B14F-4D97-AF65-F5344CB8AC3E}">
+        <p14:creationId xmlns:p14="http://schemas.microsoft.com/office/powerpoint/2010/main" val="3300898846"/>
+      </p:ext>
+    </p:extLst>
+  </p:cSld>
+  <p:clrMapOvr>
+    <a:masterClrMapping/>
+  </p:clrMapOvr>
+</p:sld>
+</file>
+
 <file path=ppt/slides/slide2.xml><?xml version="1.0" encoding="utf-8"?>
 <p:sld xmlns:a="http://schemas.openxmlformats.org/drawingml/2006/main" xmlns:r="http://schemas.openxmlformats.org/officeDocument/2006/relationships" xmlns:p="http://schemas.openxmlformats.org/presentationml/2006/main">
   <p:cSld>
@@ -3212,7 +3494,7 @@
                     <a:lstStyle/>
                     <a:p>
                       <a:pPr latinLnBrk="1"/>
-                      <a:endParaRPr lang="ko-KR" altLang="en-US"/>
+                      <a:endParaRPr lang="ko-KR" altLang="en-US" dirty="0"/>
                     </a:p>
                   </a:txBody>
                   <a:tcPr/>

--- a/GameUIUXPrograming/Document/여우의 모험.pptx
+++ b/GameUIUXPrograming/Document/여우의 모험.pptx
@@ -14,7 +14,8 @@
     <p:sldId id="264" r:id="rId8"/>
     <p:sldId id="263" r:id="rId9"/>
     <p:sldId id="262" r:id="rId10"/>
-    <p:sldId id="265" r:id="rId11"/>
+    <p:sldId id="266" r:id="rId11"/>
+    <p:sldId id="265" r:id="rId12"/>
   </p:sldIdLst>
   <p:sldSz cx="12192000" cy="6858000"/>
   <p:notesSz cx="6858000" cy="9144000"/>
@@ -3352,12 +3353,503 @@
           <a:p>
             <a:r>
               <a:rPr lang="ko-KR" altLang="en-US" dirty="0" err="1" smtClean="0"/>
-              <a:t>인벤토리구성</a:t>
+              <a:t>인벤토리</a:t>
+            </a:r>
+            <a:r>
+              <a:rPr lang="ko-KR" altLang="en-US" dirty="0" smtClean="0"/>
+              <a:t> 구성</a:t>
+            </a:r>
+            <a:r>
+              <a:rPr lang="en-US" altLang="ko-KR" dirty="0"/>
+              <a:t> </a:t>
+            </a:r>
+            <a:r>
+              <a:rPr lang="en-US" altLang="ko-KR" dirty="0" smtClean="0"/>
+              <a:t>#</a:t>
+            </a:r>
+            <a:r>
+              <a:rPr lang="ko-KR" altLang="en-US" dirty="0" err="1" smtClean="0"/>
+              <a:t>리펙토링</a:t>
+            </a:r>
+            <a:r>
+              <a:rPr lang="ko-KR" altLang="en-US" dirty="0" smtClean="0"/>
+              <a:t> 전</a:t>
             </a:r>
             <a:endParaRPr lang="ko-KR" altLang="en-US" dirty="0"/>
           </a:p>
         </p:txBody>
       </p:sp>
+    </p:spTree>
+    <p:extLst>
+      <p:ext uri="{BB962C8B-B14F-4D97-AF65-F5344CB8AC3E}">
+        <p14:creationId xmlns:p14="http://schemas.microsoft.com/office/powerpoint/2010/main" val="3732340645"/>
+      </p:ext>
+    </p:extLst>
+  </p:cSld>
+  <p:clrMapOvr>
+    <a:masterClrMapping/>
+  </p:clrMapOvr>
+</p:sld>
+</file>
+
+<file path=ppt/slides/slide11.xml><?xml version="1.0" encoding="utf-8"?>
+<p:sld xmlns:a="http://schemas.openxmlformats.org/drawingml/2006/main" xmlns:r="http://schemas.openxmlformats.org/officeDocument/2006/relationships" xmlns:p="http://schemas.openxmlformats.org/presentationml/2006/main">
+  <p:cSld>
+    <p:spTree>
+      <p:nvGrpSpPr>
+        <p:cNvPr id="1" name=""/>
+        <p:cNvGrpSpPr/>
+        <p:nvPr/>
+      </p:nvGrpSpPr>
+      <p:grpSpPr>
+        <a:xfrm>
+          <a:off x="0" y="0"/>
+          <a:ext cx="0" cy="0"/>
+          <a:chOff x="0" y="0"/>
+          <a:chExt cx="0" cy="0"/>
+        </a:xfrm>
+      </p:grpSpPr>
+      <p:sp>
+        <p:nvSpPr>
+          <p:cNvPr id="40" name="제목 39"/>
+          <p:cNvSpPr>
+            <a:spLocks noGrp="1"/>
+          </p:cNvSpPr>
+          <p:nvPr>
+            <p:ph type="title"/>
+          </p:nvPr>
+        </p:nvSpPr>
+        <p:spPr/>
+        <p:txBody>
+          <a:bodyPr/>
+          <a:lstStyle/>
+          <a:p>
+            <a:r>
+              <a:rPr lang="ko-KR" altLang="en-US" dirty="0" err="1" smtClean="0"/>
+              <a:t>인벤토리</a:t>
+            </a:r>
+            <a:r>
+              <a:rPr lang="ko-KR" altLang="en-US" dirty="0" smtClean="0"/>
+              <a:t> 구성</a:t>
+            </a:r>
+            <a:r>
+              <a:rPr lang="en-US" altLang="ko-KR" dirty="0"/>
+              <a:t> </a:t>
+            </a:r>
+            <a:r>
+              <a:rPr lang="en-US" altLang="ko-KR" dirty="0" smtClean="0"/>
+              <a:t>#</a:t>
+            </a:r>
+            <a:r>
+              <a:rPr lang="ko-KR" altLang="en-US" dirty="0" err="1" smtClean="0"/>
+              <a:t>리펙토링</a:t>
+            </a:r>
+            <a:endParaRPr lang="ko-KR" altLang="en-US" dirty="0"/>
+          </a:p>
+        </p:txBody>
+      </p:sp>
+      <p:pic>
+        <p:nvPicPr>
+          <p:cNvPr id="2" name="그림 1"/>
+          <p:cNvPicPr>
+            <a:picLocks noChangeAspect="1"/>
+          </p:cNvPicPr>
+          <p:nvPr/>
+        </p:nvPicPr>
+        <p:blipFill>
+          <a:blip r:embed="rId2"/>
+          <a:stretch>
+            <a:fillRect/>
+          </a:stretch>
+        </p:blipFill>
+        <p:spPr>
+          <a:xfrm>
+            <a:off x="88900" y="1538291"/>
+            <a:ext cx="2238375" cy="4886325"/>
+          </a:xfrm>
+          <a:prstGeom prst="rect">
+            <a:avLst/>
+          </a:prstGeom>
+        </p:spPr>
+      </p:pic>
+      <p:pic>
+        <p:nvPicPr>
+          <p:cNvPr id="3" name="그림 2"/>
+          <p:cNvPicPr>
+            <a:picLocks noChangeAspect="1"/>
+          </p:cNvPicPr>
+          <p:nvPr/>
+        </p:nvPicPr>
+        <p:blipFill>
+          <a:blip r:embed="rId3"/>
+          <a:stretch>
+            <a:fillRect/>
+          </a:stretch>
+        </p:blipFill>
+        <p:spPr>
+          <a:xfrm>
+            <a:off x="8060899" y="1580091"/>
+            <a:ext cx="1552575" cy="2419350"/>
+          </a:xfrm>
+          <a:prstGeom prst="rect">
+            <a:avLst/>
+          </a:prstGeom>
+        </p:spPr>
+      </p:pic>
+      <p:pic>
+        <p:nvPicPr>
+          <p:cNvPr id="5" name="그림 4"/>
+          <p:cNvPicPr>
+            <a:picLocks noChangeAspect="1"/>
+          </p:cNvPicPr>
+          <p:nvPr/>
+        </p:nvPicPr>
+        <p:blipFill>
+          <a:blip r:embed="rId4"/>
+          <a:stretch>
+            <a:fillRect/>
+          </a:stretch>
+        </p:blipFill>
+        <p:spPr>
+          <a:xfrm>
+            <a:off x="6141031" y="1538291"/>
+            <a:ext cx="1552575" cy="2952750"/>
+          </a:xfrm>
+          <a:prstGeom prst="rect">
+            <a:avLst/>
+          </a:prstGeom>
+        </p:spPr>
+      </p:pic>
+      <p:pic>
+        <p:nvPicPr>
+          <p:cNvPr id="9" name="그림 8"/>
+          <p:cNvPicPr>
+            <a:picLocks noChangeAspect="1"/>
+          </p:cNvPicPr>
+          <p:nvPr/>
+        </p:nvPicPr>
+        <p:blipFill>
+          <a:blip r:embed="rId5"/>
+          <a:stretch>
+            <a:fillRect/>
+          </a:stretch>
+        </p:blipFill>
+        <p:spPr>
+          <a:xfrm>
+            <a:off x="2471206" y="1580091"/>
+            <a:ext cx="1552575" cy="5343525"/>
+          </a:xfrm>
+          <a:prstGeom prst="rect">
+            <a:avLst/>
+          </a:prstGeom>
+        </p:spPr>
+      </p:pic>
+      <p:pic>
+        <p:nvPicPr>
+          <p:cNvPr id="11" name="그림 10"/>
+          <p:cNvPicPr>
+            <a:picLocks noChangeAspect="1"/>
+          </p:cNvPicPr>
+          <p:nvPr/>
+        </p:nvPicPr>
+        <p:blipFill>
+          <a:blip r:embed="rId6"/>
+          <a:stretch>
+            <a:fillRect/>
+          </a:stretch>
+        </p:blipFill>
+        <p:spPr>
+          <a:xfrm>
+            <a:off x="4373688" y="1817286"/>
+            <a:ext cx="1552575" cy="2771775"/>
+          </a:xfrm>
+          <a:prstGeom prst="rect">
+            <a:avLst/>
+          </a:prstGeom>
+        </p:spPr>
+      </p:pic>
+      <p:sp>
+        <p:nvSpPr>
+          <p:cNvPr id="12" name="TextBox 11"/>
+          <p:cNvSpPr txBox="1"/>
+          <p:nvPr/>
+        </p:nvSpPr>
+        <p:spPr>
+          <a:xfrm>
+            <a:off x="4527172" y="5237019"/>
+            <a:ext cx="7330019" cy="1477328"/>
+          </a:xfrm>
+          <a:prstGeom prst="rect">
+            <a:avLst/>
+          </a:prstGeom>
+          <a:noFill/>
+        </p:spPr>
+        <p:txBody>
+          <a:bodyPr wrap="square" rtlCol="0">
+            <a:spAutoFit/>
+          </a:bodyPr>
+          <a:lstStyle/>
+          <a:p>
+            <a:pPr marL="285750" indent="-285750">
+              <a:buFont typeface="Arial" panose="020B0604020202020204" pitchFamily="34" charset="0"/>
+              <a:buChar char="•"/>
+            </a:pPr>
+            <a:r>
+              <a:rPr lang="en-US" altLang="ko-KR" dirty="0" smtClean="0"/>
+              <a:t>GUI</a:t>
+            </a:r>
+            <a:r>
+              <a:rPr lang="ko-KR" altLang="en-US" dirty="0" smtClean="0"/>
+              <a:t>관련 기능을 게임관리자에서 </a:t>
+            </a:r>
+            <a:r>
+              <a:rPr lang="en-US" altLang="ko-KR" dirty="0" smtClean="0"/>
+              <a:t>GUI</a:t>
+            </a:r>
+            <a:r>
+              <a:rPr lang="ko-KR" altLang="en-US" dirty="0" smtClean="0"/>
+              <a:t>관리자로 이관</a:t>
+            </a:r>
+            <a:r>
+              <a:rPr lang="en-US" altLang="ko-KR" dirty="0" smtClean="0"/>
+              <a:t>.</a:t>
+            </a:r>
+          </a:p>
+          <a:p>
+            <a:pPr marL="285750" indent="-285750">
+              <a:buFont typeface="Arial" panose="020B0604020202020204" pitchFamily="34" charset="0"/>
+              <a:buChar char="•"/>
+            </a:pPr>
+            <a:r>
+              <a:rPr lang="en-US" altLang="ko-KR" dirty="0" smtClean="0"/>
+              <a:t>GUI</a:t>
+            </a:r>
+            <a:r>
+              <a:rPr lang="ko-KR" altLang="en-US" dirty="0" err="1" smtClean="0"/>
+              <a:t>관련기능</a:t>
+            </a:r>
+            <a:r>
+              <a:rPr lang="ko-KR" altLang="en-US" dirty="0" smtClean="0"/>
+              <a:t> 중 플레이어의 상태를 관리하는 </a:t>
+            </a:r>
+            <a:r>
+              <a:rPr lang="en-US" altLang="ko-KR" dirty="0" smtClean="0"/>
+              <a:t>GUI</a:t>
+            </a:r>
+            <a:r>
+              <a:rPr lang="ko-KR" altLang="en-US" dirty="0" smtClean="0"/>
+              <a:t>를 플레이어정보 클래스로 이관</a:t>
+            </a:r>
+            <a:r>
+              <a:rPr lang="en-US" altLang="ko-KR" dirty="0" smtClean="0"/>
+              <a:t>.</a:t>
+            </a:r>
+          </a:p>
+          <a:p>
+            <a:pPr marL="285750" indent="-285750">
+              <a:buFont typeface="Arial" panose="020B0604020202020204" pitchFamily="34" charset="0"/>
+              <a:buChar char="•"/>
+            </a:pPr>
+            <a:r>
+              <a:rPr lang="ko-KR" altLang="en-US" dirty="0" smtClean="0"/>
+              <a:t>게임관리자와 </a:t>
+            </a:r>
+            <a:r>
+              <a:rPr lang="en-US" altLang="ko-KR" dirty="0" smtClean="0"/>
+              <a:t>GUI</a:t>
+            </a:r>
+            <a:r>
+              <a:rPr lang="ko-KR" altLang="en-US" dirty="0" smtClean="0"/>
+              <a:t>관리자는 서로를 참조하고 </a:t>
+            </a:r>
+            <a:r>
+              <a:rPr lang="ko-KR" altLang="en-US" dirty="0" err="1" smtClean="0"/>
+              <a:t>필요할때</a:t>
+            </a:r>
+            <a:r>
+              <a:rPr lang="ko-KR" altLang="en-US" dirty="0" smtClean="0"/>
+              <a:t> 가져다 </a:t>
+            </a:r>
+            <a:r>
+              <a:rPr lang="en-US" altLang="ko-KR" dirty="0" smtClean="0"/>
+              <a:t/>
+            </a:r>
+            <a:br>
+              <a:rPr lang="en-US" altLang="ko-KR" dirty="0" smtClean="0"/>
+            </a:br>
+            <a:r>
+              <a:rPr lang="ko-KR" altLang="en-US" dirty="0" smtClean="0"/>
+              <a:t>쓰도록 구성</a:t>
+            </a:r>
+            <a:endParaRPr lang="ko-KR" altLang="en-US" dirty="0"/>
+          </a:p>
+        </p:txBody>
+      </p:sp>
+      <p:cxnSp>
+        <p:nvCxnSpPr>
+          <p:cNvPr id="15" name="직선 화살표 연결선 14"/>
+          <p:cNvCxnSpPr/>
+          <p:nvPr/>
+        </p:nvCxnSpPr>
+        <p:spPr>
+          <a:xfrm flipH="1">
+            <a:off x="1795549" y="1795549"/>
+            <a:ext cx="831273" cy="0"/>
+          </a:xfrm>
+          <a:prstGeom prst="straightConnector1">
+            <a:avLst/>
+          </a:prstGeom>
+          <a:ln>
+            <a:tailEnd type="triangle"/>
+          </a:ln>
+        </p:spPr>
+        <p:style>
+          <a:lnRef idx="1">
+            <a:schemeClr val="accent1"/>
+          </a:lnRef>
+          <a:fillRef idx="0">
+            <a:schemeClr val="accent1"/>
+          </a:fillRef>
+          <a:effectRef idx="0">
+            <a:schemeClr val="accent1"/>
+          </a:effectRef>
+          <a:fontRef idx="minor">
+            <a:schemeClr val="tx1"/>
+          </a:fontRef>
+        </p:style>
+      </p:cxnSp>
+      <p:cxnSp>
+        <p:nvCxnSpPr>
+          <p:cNvPr id="17" name="직선 화살표 연결선 16"/>
+          <p:cNvCxnSpPr/>
+          <p:nvPr/>
+        </p:nvCxnSpPr>
+        <p:spPr>
+          <a:xfrm>
+            <a:off x="1803284" y="1941868"/>
+            <a:ext cx="839586" cy="0"/>
+          </a:xfrm>
+          <a:prstGeom prst="straightConnector1">
+            <a:avLst/>
+          </a:prstGeom>
+          <a:ln>
+            <a:tailEnd type="triangle"/>
+          </a:ln>
+        </p:spPr>
+        <p:style>
+          <a:lnRef idx="1">
+            <a:schemeClr val="accent1"/>
+          </a:lnRef>
+          <a:fillRef idx="0">
+            <a:schemeClr val="accent1"/>
+          </a:fillRef>
+          <a:effectRef idx="0">
+            <a:schemeClr val="accent1"/>
+          </a:effectRef>
+          <a:fontRef idx="minor">
+            <a:schemeClr val="tx1"/>
+          </a:fontRef>
+        </p:style>
+      </p:cxnSp>
+      <p:cxnSp>
+        <p:nvCxnSpPr>
+          <p:cNvPr id="22" name="직선 화살표 연결선 21"/>
+          <p:cNvCxnSpPr/>
+          <p:nvPr/>
+        </p:nvCxnSpPr>
+        <p:spPr>
+          <a:xfrm flipH="1">
+            <a:off x="3695899" y="2047701"/>
+            <a:ext cx="831273" cy="0"/>
+          </a:xfrm>
+          <a:prstGeom prst="straightConnector1">
+            <a:avLst/>
+          </a:prstGeom>
+          <a:ln>
+            <a:tailEnd type="triangle"/>
+          </a:ln>
+        </p:spPr>
+        <p:style>
+          <a:lnRef idx="1">
+            <a:schemeClr val="accent1"/>
+          </a:lnRef>
+          <a:fillRef idx="0">
+            <a:schemeClr val="accent1"/>
+          </a:fillRef>
+          <a:effectRef idx="0">
+            <a:schemeClr val="accent1"/>
+          </a:effectRef>
+          <a:fontRef idx="minor">
+            <a:schemeClr val="tx1"/>
+          </a:fontRef>
+        </p:style>
+      </p:cxnSp>
+      <p:cxnSp>
+        <p:nvCxnSpPr>
+          <p:cNvPr id="23" name="직선 화살표 연결선 22"/>
+          <p:cNvCxnSpPr/>
+          <p:nvPr/>
+        </p:nvCxnSpPr>
+        <p:spPr>
+          <a:xfrm flipH="1">
+            <a:off x="7439397" y="1803861"/>
+            <a:ext cx="831273" cy="0"/>
+          </a:xfrm>
+          <a:prstGeom prst="straightConnector1">
+            <a:avLst/>
+          </a:prstGeom>
+          <a:ln>
+            <a:tailEnd type="triangle"/>
+          </a:ln>
+        </p:spPr>
+        <p:style>
+          <a:lnRef idx="1">
+            <a:schemeClr val="accent1"/>
+          </a:lnRef>
+          <a:fillRef idx="0">
+            <a:schemeClr val="accent1"/>
+          </a:fillRef>
+          <a:effectRef idx="0">
+            <a:schemeClr val="accent1"/>
+          </a:effectRef>
+          <a:fontRef idx="minor">
+            <a:schemeClr val="tx1"/>
+          </a:fontRef>
+        </p:style>
+      </p:cxnSp>
+      <p:cxnSp>
+        <p:nvCxnSpPr>
+          <p:cNvPr id="24" name="직선 화살표 연결선 23"/>
+          <p:cNvCxnSpPr/>
+          <p:nvPr/>
+        </p:nvCxnSpPr>
+        <p:spPr>
+          <a:xfrm flipH="1">
+            <a:off x="3695899" y="1803863"/>
+            <a:ext cx="2688276" cy="0"/>
+          </a:xfrm>
+          <a:prstGeom prst="straightConnector1">
+            <a:avLst/>
+          </a:prstGeom>
+          <a:ln>
+            <a:tailEnd type="triangle"/>
+          </a:ln>
+        </p:spPr>
+        <p:style>
+          <a:lnRef idx="1">
+            <a:schemeClr val="accent1"/>
+          </a:lnRef>
+          <a:fillRef idx="0">
+            <a:schemeClr val="accent1"/>
+          </a:fillRef>
+          <a:effectRef idx="0">
+            <a:schemeClr val="accent1"/>
+          </a:effectRef>
+          <a:fontRef idx="minor">
+            <a:schemeClr val="tx1"/>
+          </a:fontRef>
+        </p:style>
+      </p:cxnSp>
     </p:spTree>
     <p:extLst>
       <p:ext uri="{BB962C8B-B14F-4D97-AF65-F5344CB8AC3E}">
@@ -3397,7 +3889,7 @@
           <p:nvPr>
             <p:extLst>
               <p:ext uri="{D42A27DB-BD31-4B8C-83A1-F6EECF244321}">
-                <p14:modId xmlns:p14="http://schemas.microsoft.com/office/powerpoint/2010/main" val="4216575129"/>
+                <p14:modId xmlns:p14="http://schemas.microsoft.com/office/powerpoint/2010/main" val="3332392003"/>
               </p:ext>
             </p:extLst>
           </p:nvPr>
@@ -3420,14 +3912,14 @@
                     </a:ext>
                   </a:extLst>
                 </a:gridCol>
-                <a:gridCol w="963039">
+                <a:gridCol w="1218788">
                   <a:extLst>
                     <a:ext uri="{9D8B030D-6E8A-4147-A177-3AD203B41FA5}">
                       <a16:colId xmlns:a16="http://schemas.microsoft.com/office/drawing/2014/main" val="1366315844"/>
                     </a:ext>
                   </a:extLst>
                 </a:gridCol>
-                <a:gridCol w="9387190">
+                <a:gridCol w="9131441">
                   <a:extLst>
                     <a:ext uri="{9D8B030D-6E8A-4147-A177-3AD203B41FA5}">
                       <a16:colId xmlns:a16="http://schemas.microsoft.com/office/drawing/2014/main" val="227411858"/>
@@ -3494,6 +3986,10 @@
                     <a:lstStyle/>
                     <a:p>
                       <a:pPr latinLnBrk="1"/>
+                      <a:r>
+                        <a:rPr lang="en-US" altLang="ko-KR" dirty="0" smtClean="0"/>
+                        <a:t>0.1</a:t>
+                      </a:r>
                       <a:endParaRPr lang="ko-KR" altLang="en-US" dirty="0"/>
                     </a:p>
                   </a:txBody>
@@ -3516,7 +4012,31 @@
                     <a:lstStyle/>
                     <a:p>
                       <a:pPr latinLnBrk="1"/>
-                      <a:endParaRPr lang="ko-KR" altLang="en-US"/>
+                      <a:r>
+                        <a:rPr lang="ko-KR" altLang="en-US" dirty="0" smtClean="0"/>
+                        <a:t>시나리오</a:t>
+                      </a:r>
+                      <a:r>
+                        <a:rPr lang="en-US" altLang="ko-KR" dirty="0" smtClean="0"/>
+                        <a:t>, </a:t>
+                      </a:r>
+                      <a:r>
+                        <a:rPr lang="ko-KR" altLang="en-US" dirty="0" smtClean="0"/>
+                        <a:t>흐름도</a:t>
+                      </a:r>
+                      <a:r>
+                        <a:rPr lang="en-US" altLang="ko-KR" dirty="0" smtClean="0"/>
+                        <a:t>, </a:t>
+                      </a:r>
+                      <a:r>
+                        <a:rPr lang="ko-KR" altLang="en-US" dirty="0" err="1" smtClean="0"/>
+                        <a:t>장면구성</a:t>
+                      </a:r>
+                      <a:r>
+                        <a:rPr lang="ko-KR" altLang="en-US" dirty="0" smtClean="0"/>
+                        <a:t> </a:t>
+                      </a:r>
+                      <a:endParaRPr lang="ko-KR" altLang="en-US" dirty="0"/>
                     </a:p>
                   </a:txBody>
                   <a:tcPr/>
@@ -3534,7 +4054,11 @@
                     <a:lstStyle/>
                     <a:p>
                       <a:pPr latinLnBrk="1"/>
-                      <a:endParaRPr lang="ko-KR" altLang="en-US"/>
+                      <a:r>
+                        <a:rPr lang="en-US" altLang="ko-KR" dirty="0" smtClean="0"/>
+                        <a:t>0.2</a:t>
+                      </a:r>
+                      <a:endParaRPr lang="ko-KR" altLang="en-US" dirty="0"/>
                     </a:p>
                   </a:txBody>
                   <a:tcPr/>
@@ -3556,7 +4080,23 @@
                     <a:lstStyle/>
                     <a:p>
                       <a:pPr latinLnBrk="1"/>
-                      <a:endParaRPr lang="ko-KR" altLang="en-US"/>
+                      <a:r>
+                        <a:rPr lang="ko-KR" altLang="en-US" dirty="0" err="1" smtClean="0"/>
+                        <a:t>장면구성</a:t>
+                      </a:r>
+                      <a:r>
+                        <a:rPr lang="ko-KR" altLang="en-US" dirty="0" smtClean="0"/>
+                        <a:t> </a:t>
+                      </a:r>
+                      <a:r>
+                        <a:rPr lang="en-US" altLang="ko-KR" dirty="0" smtClean="0"/>
+                        <a:t>#</a:t>
+                      </a:r>
+                      <a:r>
+                        <a:rPr lang="ko-KR" altLang="en-US" dirty="0" err="1" smtClean="0"/>
+                        <a:t>플레이화면</a:t>
+                      </a:r>
+                      <a:endParaRPr lang="ko-KR" altLang="en-US" dirty="0"/>
                     </a:p>
                   </a:txBody>
                   <a:tcPr/>
@@ -3574,7 +4114,11 @@
                     <a:lstStyle/>
                     <a:p>
                       <a:pPr latinLnBrk="1"/>
-                      <a:endParaRPr lang="ko-KR" altLang="en-US"/>
+                      <a:r>
+                        <a:rPr lang="en-US" altLang="ko-KR" dirty="0" smtClean="0"/>
+                        <a:t>0.3</a:t>
+                      </a:r>
+                      <a:endParaRPr lang="ko-KR" altLang="en-US" dirty="0"/>
                     </a:p>
                   </a:txBody>
                   <a:tcPr/>
@@ -3596,7 +4140,19 @@
                     <a:lstStyle/>
                     <a:p>
                       <a:pPr latinLnBrk="1"/>
-                      <a:endParaRPr lang="ko-KR" altLang="en-US"/>
+                      <a:r>
+                        <a:rPr lang="ko-KR" altLang="en-US" dirty="0" smtClean="0"/>
+                        <a:t>아이템</a:t>
+                      </a:r>
+                      <a:r>
+                        <a:rPr lang="en-US" altLang="ko-KR" baseline="0" dirty="0" smtClean="0"/>
+                        <a:t> </a:t>
+                      </a:r>
+                      <a:r>
+                        <a:rPr lang="ko-KR" altLang="en-US" baseline="0" dirty="0" smtClean="0"/>
+                        <a:t>분류</a:t>
+                      </a:r>
+                      <a:endParaRPr lang="ko-KR" altLang="en-US" dirty="0"/>
                     </a:p>
                   </a:txBody>
                   <a:tcPr/>
@@ -3614,7 +4170,11 @@
                     <a:lstStyle/>
                     <a:p>
                       <a:pPr latinLnBrk="1"/>
-                      <a:endParaRPr lang="ko-KR" altLang="en-US"/>
+                      <a:r>
+                        <a:rPr lang="en-US" altLang="ko-KR" dirty="0" smtClean="0"/>
+                        <a:t>0.4</a:t>
+                      </a:r>
+                      <a:endParaRPr lang="ko-KR" altLang="en-US" dirty="0"/>
                     </a:p>
                   </a:txBody>
                   <a:tcPr/>
@@ -3636,7 +4196,23 @@
                     <a:lstStyle/>
                     <a:p>
                       <a:pPr latinLnBrk="1"/>
-                      <a:endParaRPr lang="ko-KR" altLang="en-US"/>
+                      <a:r>
+                        <a:rPr lang="ko-KR" altLang="en-US" dirty="0" err="1" smtClean="0"/>
+                        <a:t>장면구성</a:t>
+                      </a:r>
+                      <a:r>
+                        <a:rPr lang="ko-KR" altLang="en-US" dirty="0" smtClean="0"/>
+                        <a:t> </a:t>
+                      </a:r>
+                      <a:r>
+                        <a:rPr lang="en-US" altLang="ko-KR" dirty="0" smtClean="0"/>
+                        <a:t>#</a:t>
+                      </a:r>
+                      <a:r>
+                        <a:rPr lang="ko-KR" altLang="en-US" dirty="0" err="1" smtClean="0"/>
+                        <a:t>인벤토리</a:t>
+                      </a:r>
+                      <a:endParaRPr lang="ko-KR" altLang="en-US" dirty="0"/>
                     </a:p>
                   </a:txBody>
                   <a:tcPr/>
@@ -3654,7 +4230,42 @@
                     <a:lstStyle/>
                     <a:p>
                       <a:pPr latinLnBrk="1"/>
-                      <a:endParaRPr lang="ko-KR" altLang="en-US"/>
+                      <a:r>
+                        <a:rPr lang="en-US" altLang="ko-KR" dirty="0" smtClean="0"/>
+                        <a:t>0.5</a:t>
+                      </a:r>
+                      <a:endParaRPr lang="ko-KR" altLang="en-US" dirty="0"/>
+                    </a:p>
+                  </a:txBody>
+                  <a:tcPr/>
+                </a:tc>
+                <a:tc>
+                  <a:txBody>
+                    <a:bodyPr/>
+                    <a:lstStyle/>
+                    <a:p>
+                      <a:pPr marL="0" marR="0" indent="0" algn="l" defTabSz="914400" rtl="0" eaLnBrk="1" fontAlgn="auto" latinLnBrk="1" hangingPunct="1">
+                        <a:lnSpc>
+                          <a:spcPct val="100000"/>
+                        </a:lnSpc>
+                        <a:spcBef>
+                          <a:spcPts val="0"/>
+                        </a:spcBef>
+                        <a:spcAft>
+                          <a:spcPts val="0"/>
+                        </a:spcAft>
+                        <a:buClrTx/>
+                        <a:buSzTx/>
+                        <a:buFontTx/>
+                        <a:buNone/>
+                        <a:tabLst/>
+                        <a:defRPr/>
+                      </a:pPr>
+                      <a:r>
+                        <a:rPr lang="en-US" altLang="ko-KR" dirty="0" smtClean="0"/>
+                        <a:t>21.08.13</a:t>
+                      </a:r>
+                      <a:endParaRPr lang="ko-KR" altLang="en-US" dirty="0" smtClean="0"/>
                     </a:p>
                   </a:txBody>
                   <a:tcPr/>
@@ -3665,18 +4276,15 @@
                     <a:lstStyle/>
                     <a:p>
                       <a:pPr latinLnBrk="1"/>
-                      <a:endParaRPr lang="ko-KR" altLang="en-US"/>
-                    </a:p>
-                  </a:txBody>
-                  <a:tcPr/>
-                </a:tc>
-                <a:tc>
-                  <a:txBody>
-                    <a:bodyPr/>
-                    <a:lstStyle/>
-                    <a:p>
-                      <a:pPr latinLnBrk="1"/>
-                      <a:endParaRPr lang="ko-KR" altLang="en-US"/>
+                      <a:r>
+                        <a:rPr lang="ko-KR" altLang="en-US" dirty="0" err="1" smtClean="0"/>
+                        <a:t>인벤토리</a:t>
+                      </a:r>
+                      <a:r>
+                        <a:rPr lang="ko-KR" altLang="en-US" dirty="0" smtClean="0"/>
+                        <a:t> 구성 </a:t>
+                      </a:r>
+                      <a:endParaRPr lang="ko-KR" altLang="en-US" dirty="0"/>
                     </a:p>
                   </a:txBody>
                   <a:tcPr/>
@@ -3694,17 +4302,10 @@
                     <a:lstStyle/>
                     <a:p>
                       <a:pPr latinLnBrk="1"/>
-                      <a:endParaRPr lang="ko-KR" altLang="en-US"/>
-                    </a:p>
-                  </a:txBody>
-                  <a:tcPr/>
-                </a:tc>
-                <a:tc>
-                  <a:txBody>
-                    <a:bodyPr/>
-                    <a:lstStyle/>
-                    <a:p>
-                      <a:pPr latinLnBrk="1"/>
+                      <a:r>
+                        <a:rPr lang="en-US" altLang="ko-KR" dirty="0" smtClean="0"/>
+                        <a:t>0.6</a:t>
+                      </a:r>
                       <a:endParaRPr lang="ko-KR" altLang="en-US" dirty="0"/>
                     </a:p>
                   </a:txBody>
@@ -3716,7 +4317,42 @@
                     <a:lstStyle/>
                     <a:p>
                       <a:pPr latinLnBrk="1"/>
-                      <a:endParaRPr lang="ko-KR" altLang="en-US"/>
+                      <a:r>
+                        <a:rPr lang="en-US" altLang="ko-KR" dirty="0" smtClean="0"/>
+                        <a:t>21.08.13</a:t>
+                      </a:r>
+                      <a:endParaRPr lang="ko-KR" altLang="en-US" dirty="0"/>
+                    </a:p>
+                  </a:txBody>
+                  <a:tcPr/>
+                </a:tc>
+                <a:tc>
+                  <a:txBody>
+                    <a:bodyPr/>
+                    <a:lstStyle/>
+                    <a:p>
+                      <a:pPr latinLnBrk="1"/>
+                      <a:r>
+                        <a:rPr lang="ko-KR" altLang="en-US" dirty="0" err="1" smtClean="0"/>
+                        <a:t>인벤토리</a:t>
+                      </a:r>
+                      <a:r>
+                        <a:rPr lang="ko-KR" altLang="en-US" dirty="0" smtClean="0"/>
+                        <a:t> 구성</a:t>
+                      </a:r>
+                      <a:r>
+                        <a:rPr lang="ko-KR" altLang="en-US" baseline="0" dirty="0" smtClean="0"/>
+                        <a:t> </a:t>
+                      </a:r>
+                      <a:r>
+                        <a:rPr lang="en-US" altLang="ko-KR" baseline="0" dirty="0" smtClean="0"/>
+                        <a:t>#</a:t>
+                      </a:r>
+                      <a:r>
+                        <a:rPr lang="ko-KR" altLang="en-US" baseline="0" dirty="0" err="1" smtClean="0"/>
+                        <a:t>리펙토링</a:t>
+                      </a:r>
+                      <a:endParaRPr lang="ko-KR" altLang="en-US" dirty="0"/>
                     </a:p>
                   </a:txBody>
                   <a:tcPr/>

--- a/GameUIUXPrograming/Document/여우의 모험.pptx
+++ b/GameUIUXPrograming/Document/여우의 모험.pptx
@@ -253,7 +253,7 @@
           <a:p>
             <a:fld id="{897D5387-F64E-41AA-8B0A-C26E8B2F567B}" type="datetimeFigureOut">
               <a:rPr lang="ko-KR" altLang="en-US" smtClean="0"/>
-              <a:t>2021-08-13</a:t>
+              <a:t>2021-08-16</a:t>
             </a:fld>
             <a:endParaRPr lang="ko-KR" altLang="en-US"/>
           </a:p>
@@ -423,7 +423,7 @@
           <a:p>
             <a:fld id="{897D5387-F64E-41AA-8B0A-C26E8B2F567B}" type="datetimeFigureOut">
               <a:rPr lang="ko-KR" altLang="en-US" smtClean="0"/>
-              <a:t>2021-08-13</a:t>
+              <a:t>2021-08-16</a:t>
             </a:fld>
             <a:endParaRPr lang="ko-KR" altLang="en-US"/>
           </a:p>
@@ -603,7 +603,7 @@
           <a:p>
             <a:fld id="{897D5387-F64E-41AA-8B0A-C26E8B2F567B}" type="datetimeFigureOut">
               <a:rPr lang="ko-KR" altLang="en-US" smtClean="0"/>
-              <a:t>2021-08-13</a:t>
+              <a:t>2021-08-16</a:t>
             </a:fld>
             <a:endParaRPr lang="ko-KR" altLang="en-US"/>
           </a:p>
@@ -773,7 +773,7 @@
           <a:p>
             <a:fld id="{897D5387-F64E-41AA-8B0A-C26E8B2F567B}" type="datetimeFigureOut">
               <a:rPr lang="ko-KR" altLang="en-US" smtClean="0"/>
-              <a:t>2021-08-13</a:t>
+              <a:t>2021-08-16</a:t>
             </a:fld>
             <a:endParaRPr lang="ko-KR" altLang="en-US"/>
           </a:p>
@@ -1019,7 +1019,7 @@
           <a:p>
             <a:fld id="{897D5387-F64E-41AA-8B0A-C26E8B2F567B}" type="datetimeFigureOut">
               <a:rPr lang="ko-KR" altLang="en-US" smtClean="0"/>
-              <a:t>2021-08-13</a:t>
+              <a:t>2021-08-16</a:t>
             </a:fld>
             <a:endParaRPr lang="ko-KR" altLang="en-US"/>
           </a:p>
@@ -1251,7 +1251,7 @@
           <a:p>
             <a:fld id="{897D5387-F64E-41AA-8B0A-C26E8B2F567B}" type="datetimeFigureOut">
               <a:rPr lang="ko-KR" altLang="en-US" smtClean="0"/>
-              <a:t>2021-08-13</a:t>
+              <a:t>2021-08-16</a:t>
             </a:fld>
             <a:endParaRPr lang="ko-KR" altLang="en-US"/>
           </a:p>
@@ -1618,7 +1618,7 @@
           <a:p>
             <a:fld id="{897D5387-F64E-41AA-8B0A-C26E8B2F567B}" type="datetimeFigureOut">
               <a:rPr lang="ko-KR" altLang="en-US" smtClean="0"/>
-              <a:t>2021-08-13</a:t>
+              <a:t>2021-08-16</a:t>
             </a:fld>
             <a:endParaRPr lang="ko-KR" altLang="en-US"/>
           </a:p>
@@ -1736,7 +1736,7 @@
           <a:p>
             <a:fld id="{897D5387-F64E-41AA-8B0A-C26E8B2F567B}" type="datetimeFigureOut">
               <a:rPr lang="ko-KR" altLang="en-US" smtClean="0"/>
-              <a:t>2021-08-13</a:t>
+              <a:t>2021-08-16</a:t>
             </a:fld>
             <a:endParaRPr lang="ko-KR" altLang="en-US"/>
           </a:p>
@@ -1831,7 +1831,7 @@
           <a:p>
             <a:fld id="{897D5387-F64E-41AA-8B0A-C26E8B2F567B}" type="datetimeFigureOut">
               <a:rPr lang="ko-KR" altLang="en-US" smtClean="0"/>
-              <a:t>2021-08-13</a:t>
+              <a:t>2021-08-16</a:t>
             </a:fld>
             <a:endParaRPr lang="ko-KR" altLang="en-US"/>
           </a:p>
@@ -2108,7 +2108,7 @@
           <a:p>
             <a:fld id="{897D5387-F64E-41AA-8B0A-C26E8B2F567B}" type="datetimeFigureOut">
               <a:rPr lang="ko-KR" altLang="en-US" smtClean="0"/>
-              <a:t>2021-08-13</a:t>
+              <a:t>2021-08-16</a:t>
             </a:fld>
             <a:endParaRPr lang="ko-KR" altLang="en-US"/>
           </a:p>
@@ -2361,7 +2361,7 @@
           <a:p>
             <a:fld id="{897D5387-F64E-41AA-8B0A-C26E8B2F567B}" type="datetimeFigureOut">
               <a:rPr lang="ko-KR" altLang="en-US" smtClean="0"/>
-              <a:t>2021-08-13</a:t>
+              <a:t>2021-08-16</a:t>
             </a:fld>
             <a:endParaRPr lang="ko-KR" altLang="en-US"/>
           </a:p>
@@ -2574,7 +2574,7 @@
           <a:p>
             <a:fld id="{897D5387-F64E-41AA-8B0A-C26E8B2F567B}" type="datetimeFigureOut">
               <a:rPr lang="ko-KR" altLang="en-US" smtClean="0"/>
-              <a:t>2021-08-13</a:t>
+              <a:t>2021-08-16</a:t>
             </a:fld>
             <a:endParaRPr lang="ko-KR" altLang="en-US"/>
           </a:p>
@@ -3046,7 +3046,7 @@
             <a:pPr algn="r"/>
             <a:r>
               <a:rPr lang="en-US" altLang="ko-KR" dirty="0" smtClean="0"/>
-              <a:t>Ver. 0.1</a:t>
+              <a:t>Ver. 0.6</a:t>
             </a:r>
             <a:br>
               <a:rPr lang="en-US" altLang="ko-KR" dirty="0" smtClean="0"/>
@@ -3368,14 +3368,112 @@
               <a:t>#</a:t>
             </a:r>
             <a:r>
+              <a:rPr lang="ko-KR" altLang="en-US" dirty="0" smtClean="0"/>
+              <a:t>다이어그램</a:t>
+            </a:r>
+            <a:endParaRPr lang="ko-KR" altLang="en-US" dirty="0"/>
+          </a:p>
+        </p:txBody>
+      </p:sp>
+      <p:sp>
+        <p:nvSpPr>
+          <p:cNvPr id="12" name="TextBox 11"/>
+          <p:cNvSpPr txBox="1"/>
+          <p:nvPr/>
+        </p:nvSpPr>
+        <p:spPr>
+          <a:xfrm>
+            <a:off x="227313" y="5187872"/>
+            <a:ext cx="7685966" cy="923330"/>
+          </a:xfrm>
+          <a:prstGeom prst="rect">
+            <a:avLst/>
+          </a:prstGeom>
+          <a:noFill/>
+        </p:spPr>
+        <p:txBody>
+          <a:bodyPr wrap="square" rtlCol="0">
+            <a:spAutoFit/>
+          </a:bodyPr>
+          <a:lstStyle/>
+          <a:p>
+            <a:pPr marL="285750" indent="-285750">
+              <a:buFont typeface="Arial" panose="020B0604020202020204" pitchFamily="34" charset="0"/>
+              <a:buChar char="•"/>
+            </a:pPr>
+            <a:r>
+              <a:rPr lang="en-US" altLang="ko-KR" dirty="0" smtClean="0"/>
+              <a:t>GUI</a:t>
+            </a:r>
+            <a:r>
+              <a:rPr lang="ko-KR" altLang="en-US" dirty="0" smtClean="0"/>
+              <a:t>관련 기능이 게임관리자가 관리하고 있어 처리 할 내용이 많음</a:t>
+            </a:r>
+            <a:r>
+              <a:rPr lang="en-US" altLang="ko-KR" dirty="0" smtClean="0"/>
+              <a:t>.</a:t>
+            </a:r>
+            <a:endParaRPr lang="en-US" altLang="ko-KR" dirty="0"/>
+          </a:p>
+          <a:p>
+            <a:pPr marL="285750" indent="-285750">
+              <a:buFont typeface="Arial" panose="020B0604020202020204" pitchFamily="34" charset="0"/>
+              <a:buChar char="•"/>
+            </a:pPr>
+            <a:r>
               <a:rPr lang="ko-KR" altLang="en-US" dirty="0" err="1" smtClean="0"/>
-              <a:t>리펙토링</a:t>
+              <a:t>인벤토리관리를</a:t>
             </a:r>
             <a:r>
               <a:rPr lang="ko-KR" altLang="en-US" dirty="0" smtClean="0"/>
-              <a:t> 전</a:t>
-            </a:r>
-            <a:endParaRPr lang="ko-KR" altLang="en-US" dirty="0"/>
+              <a:t> 위한 </a:t>
+            </a:r>
+            <a:r>
+              <a:rPr lang="en-US" altLang="ko-KR" dirty="0" smtClean="0"/>
+              <a:t>GUI</a:t>
+            </a:r>
+            <a:r>
+              <a:rPr lang="ko-KR" altLang="en-US" dirty="0" smtClean="0"/>
+              <a:t>용 </a:t>
+            </a:r>
+            <a:r>
+              <a:rPr lang="ko-KR" altLang="en-US" dirty="0" err="1" smtClean="0"/>
+              <a:t>인벤토리와</a:t>
+            </a:r>
+            <a:r>
+              <a:rPr lang="ko-KR" altLang="en-US" dirty="0" smtClean="0"/>
+              <a:t> </a:t>
+            </a:r>
+            <a:r>
+              <a:rPr lang="ko-KR" altLang="en-US" dirty="0" err="1" smtClean="0"/>
+              <a:t>아이템인벤토리를</a:t>
+            </a:r>
+            <a:r>
+              <a:rPr lang="ko-KR" altLang="en-US" dirty="0" smtClean="0"/>
+              <a:t> 연동시킨다</a:t>
+            </a:r>
+            <a:r>
+              <a:rPr lang="en-US" altLang="ko-KR" dirty="0" smtClean="0"/>
+              <a:t>.</a:t>
+            </a:r>
+          </a:p>
+          <a:p>
+            <a:pPr marL="285750" indent="-285750">
+              <a:buFont typeface="Arial" panose="020B0604020202020204" pitchFamily="34" charset="0"/>
+              <a:buChar char="•"/>
+            </a:pPr>
+            <a:r>
+              <a:rPr lang="ko-KR" altLang="en-US" dirty="0" err="1" smtClean="0"/>
+              <a:t>인벤토리에</a:t>
+            </a:r>
+            <a:r>
+              <a:rPr lang="ko-KR" altLang="en-US" dirty="0" smtClean="0"/>
+              <a:t> 사용될 버튼은 별도의 스크립트를 통해 관리한다</a:t>
+            </a:r>
+            <a:r>
+              <a:rPr lang="en-US" altLang="ko-KR" dirty="0" smtClean="0"/>
+              <a:t>.</a:t>
+            </a:r>
           </a:p>
         </p:txBody>
       </p:sp>
@@ -3660,15 +3758,7 @@
             </a:r>
             <a:r>
               <a:rPr lang="ko-KR" altLang="en-US" dirty="0" smtClean="0"/>
-              <a:t>관리자는 서로를 참조하고 </a:t>
-            </a:r>
-            <a:r>
-              <a:rPr lang="ko-KR" altLang="en-US" dirty="0" err="1" smtClean="0"/>
-              <a:t>필요할때</a:t>
-            </a:r>
-            <a:r>
-              <a:rPr lang="ko-KR" altLang="en-US" dirty="0" smtClean="0"/>
-              <a:t> 가져다 </a:t>
+              <a:t>관리자는 서로를 참조하고 필요할 때 가져다 </a:t>
             </a:r>
             <a:r>
               <a:rPr lang="en-US" altLang="ko-KR" dirty="0" smtClean="0"/>
@@ -3889,7 +3979,7 @@
           <p:nvPr>
             <p:extLst>
               <p:ext uri="{D42A27DB-BD31-4B8C-83A1-F6EECF244321}">
-                <p14:modId xmlns:p14="http://schemas.microsoft.com/office/powerpoint/2010/main" val="3332392003"/>
+                <p14:modId xmlns:p14="http://schemas.microsoft.com/office/powerpoint/2010/main" val="3218782388"/>
               </p:ext>
             </p:extLst>
           </p:nvPr>
@@ -4185,7 +4275,7 @@
                     <a:lstStyle/>
                     <a:p>
                       <a:pPr latinLnBrk="1"/>
-                      <a:endParaRPr lang="ko-KR" altLang="en-US"/>
+                      <a:endParaRPr lang="ko-KR" altLang="en-US" dirty="0"/>
                     </a:p>
                   </a:txBody>
                   <a:tcPr/>
@@ -4275,16 +4365,76 @@
                     <a:bodyPr/>
                     <a:lstStyle/>
                     <a:p>
-                      <a:pPr latinLnBrk="1"/>
+                      <a:pPr marL="0" marR="0" indent="0" algn="l" defTabSz="914400" rtl="0" eaLnBrk="1" fontAlgn="auto" latinLnBrk="1" hangingPunct="1">
+                        <a:lnSpc>
+                          <a:spcPct val="100000"/>
+                        </a:lnSpc>
+                        <a:spcBef>
+                          <a:spcPts val="0"/>
+                        </a:spcBef>
+                        <a:spcAft>
+                          <a:spcPts val="0"/>
+                        </a:spcAft>
+                        <a:buClrTx/>
+                        <a:buSzTx/>
+                        <a:buFontTx/>
+                        <a:buNone/>
+                        <a:tabLst/>
+                        <a:defRPr/>
+                      </a:pPr>
+                      <a:r>
+                        <a:rPr lang="ko-KR" altLang="en-US" dirty="0" err="1" smtClean="0"/>
+                        <a:t>인벤토리구성</a:t>
+                      </a:r>
+                      <a:r>
+                        <a:rPr lang="ko-KR" altLang="en-US" dirty="0" smtClean="0"/>
+                        <a:t> </a:t>
+                      </a:r>
+                      <a:r>
+                        <a:rPr lang="en-US" altLang="ko-KR" dirty="0" smtClean="0"/>
+                        <a:t>,</a:t>
+                      </a:r>
+                      <a:r>
+                        <a:rPr lang="ko-KR" altLang="en-US" dirty="0" smtClean="0"/>
+                        <a:t> </a:t>
+                      </a:r>
                       <a:r>
                         <a:rPr lang="ko-KR" altLang="en-US" dirty="0" err="1" smtClean="0"/>
                         <a:t>인벤토리</a:t>
                       </a:r>
                       <a:r>
                         <a:rPr lang="ko-KR" altLang="en-US" dirty="0" smtClean="0"/>
-                        <a:t> 구성 </a:t>
+                        <a:t> 구성</a:t>
                       </a:r>
-                      <a:endParaRPr lang="ko-KR" altLang="en-US" dirty="0"/>
+                      <a:r>
+                        <a:rPr lang="ko-KR" altLang="en-US" baseline="0" dirty="0" smtClean="0"/>
+                        <a:t> 클래스다이어그램</a:t>
+                      </a:r>
+                      <a:r>
+                        <a:rPr lang="en-US" altLang="ko-KR" baseline="0" dirty="0" smtClean="0"/>
+                        <a:t>/</a:t>
+                      </a:r>
+                      <a:r>
+                        <a:rPr lang="ko-KR" altLang="en-US" baseline="0" dirty="0" err="1" smtClean="0"/>
+                        <a:t>리펙토링</a:t>
+                      </a:r>
+                      <a:r>
+                        <a:rPr lang="en-US" altLang="ko-KR" baseline="0" dirty="0" smtClean="0"/>
+                        <a:t>, </a:t>
+                      </a:r>
+                      <a:r>
+                        <a:rPr lang="ko-KR" altLang="en-US" baseline="0" dirty="0" err="1" smtClean="0"/>
+                        <a:t>장면흐름도</a:t>
+                      </a:r>
+                      <a:r>
+                        <a:rPr lang="en-US" altLang="ko-KR" baseline="0" dirty="0" smtClean="0"/>
+                        <a:t>,</a:t>
+                      </a:r>
+                      <a:r>
+                        <a:rPr lang="ko-KR" altLang="en-US" baseline="0" dirty="0" smtClean="0"/>
+                        <a:t>아이템 테이블</a:t>
+                      </a:r>
+                      <a:endParaRPr lang="ko-KR" altLang="en-US" dirty="0" smtClean="0"/>
                     </a:p>
                   </a:txBody>
                   <a:tcPr/>
@@ -4319,7 +4469,7 @@
                       <a:pPr latinLnBrk="1"/>
                       <a:r>
                         <a:rPr lang="en-US" altLang="ko-KR" dirty="0" smtClean="0"/>
-                        <a:t>21.08.13</a:t>
+                        <a:t>21.0816</a:t>
                       </a:r>
                       <a:endParaRPr lang="ko-KR" altLang="en-US" dirty="0"/>
                     </a:p>
@@ -4333,24 +4483,8 @@
                     <a:p>
                       <a:pPr latinLnBrk="1"/>
                       <a:r>
-                        <a:rPr lang="ko-KR" altLang="en-US" dirty="0" err="1" smtClean="0"/>
-                        <a:t>인벤토리</a:t>
-                      </a:r>
-                      <a:r>
                         <a:rPr lang="ko-KR" altLang="en-US" dirty="0" smtClean="0"/>
-                        <a:t> 구성</a:t>
-                      </a:r>
-                      <a:r>
-                        <a:rPr lang="ko-KR" altLang="en-US" baseline="0" dirty="0" smtClean="0"/>
-                        <a:t> </a:t>
-                      </a:r>
-                      <a:r>
-                        <a:rPr lang="en-US" altLang="ko-KR" baseline="0" dirty="0" smtClean="0"/>
-                        <a:t>#</a:t>
-                      </a:r>
-                      <a:r>
-                        <a:rPr lang="ko-KR" altLang="en-US" baseline="0" dirty="0" err="1" smtClean="0"/>
-                        <a:t>리펙토링</a:t>
+                        <a:t>아이템테이블 수정</a:t>
                       </a:r>
                       <a:endParaRPr lang="ko-KR" altLang="en-US" dirty="0"/>
                     </a:p>
@@ -4918,7 +5052,7 @@
         </p:nvSpPr>
         <p:spPr>
           <a:xfrm>
-            <a:off x="4946072" y="1510044"/>
+            <a:off x="2759824" y="1825624"/>
             <a:ext cx="1255222" cy="482139"/>
           </a:xfrm>
           <a:prstGeom prst="flowChartTerminator">
@@ -4962,7 +5096,7 @@
         </p:nvSpPr>
         <p:spPr>
           <a:xfrm>
-            <a:off x="4946072" y="2503097"/>
+            <a:off x="2734887" y="2777417"/>
             <a:ext cx="1305098" cy="532015"/>
           </a:xfrm>
           <a:prstGeom prst="flowChartProcess">
@@ -5006,7 +5140,7 @@
         </p:nvSpPr>
         <p:spPr>
           <a:xfrm>
-            <a:off x="6766557" y="3499657"/>
+            <a:off x="4555372" y="3773977"/>
             <a:ext cx="1288473" cy="863277"/>
           </a:xfrm>
           <a:prstGeom prst="flowChartDecision">
@@ -5061,7 +5195,7 @@
         </p:nvSpPr>
         <p:spPr>
           <a:xfrm>
-            <a:off x="3186545" y="3499657"/>
+            <a:off x="975360" y="3773977"/>
             <a:ext cx="1288473" cy="863277"/>
           </a:xfrm>
           <a:prstGeom prst="flowChartDecision">
@@ -5108,7 +5242,7 @@
         </p:nvCxnSpPr>
         <p:spPr>
           <a:xfrm>
-            <a:off x="6251170" y="2769105"/>
+            <a:off x="4039985" y="3043425"/>
             <a:ext cx="1159624" cy="730552"/>
           </a:xfrm>
           <a:prstGeom prst="bentConnector2">
@@ -5141,7 +5275,7 @@
         </p:nvSpPr>
         <p:spPr>
           <a:xfrm>
-            <a:off x="3066010" y="4862944"/>
+            <a:off x="854825" y="5137264"/>
             <a:ext cx="1529541" cy="515390"/>
           </a:xfrm>
           <a:prstGeom prst="flowChartProcess">
@@ -5185,7 +5319,7 @@
         </p:nvSpPr>
         <p:spPr>
           <a:xfrm>
-            <a:off x="6646022" y="4862944"/>
+            <a:off x="4434837" y="5137264"/>
             <a:ext cx="1529541" cy="515390"/>
           </a:xfrm>
           <a:prstGeom prst="flowChartProcess">
@@ -5232,7 +5366,7 @@
         </p:nvCxnSpPr>
         <p:spPr>
           <a:xfrm rot="10800000" flipV="1">
-            <a:off x="3830782" y="2769105"/>
+            <a:off x="1619597" y="3043425"/>
             <a:ext cx="1115290" cy="730552"/>
           </a:xfrm>
           <a:prstGeom prst="bentConnector2">
@@ -5268,7 +5402,7 @@
         </p:nvCxnSpPr>
         <p:spPr>
           <a:xfrm flipH="1">
-            <a:off x="3830781" y="4362934"/>
+            <a:off x="1619596" y="4637254"/>
             <a:ext cx="1" cy="500010"/>
           </a:xfrm>
           <a:prstGeom prst="straightConnector1">
@@ -5307,7 +5441,7 @@
         </p:nvCxnSpPr>
         <p:spPr>
           <a:xfrm flipH="1">
-            <a:off x="7410793" y="4362934"/>
+            <a:off x="5199608" y="4637254"/>
             <a:ext cx="1" cy="500010"/>
           </a:xfrm>
           <a:prstGeom prst="straightConnector1">
@@ -5340,14 +5474,13 @@
           <p:cNvPr id="23" name="꺾인 연결선 22"/>
           <p:cNvCxnSpPr>
             <a:stCxn id="8" idx="1"/>
-            <a:endCxn id="6" idx="2"/>
           </p:cNvCxnSpPr>
           <p:nvPr/>
         </p:nvCxnSpPr>
         <p:spPr>
           <a:xfrm rot="10800000">
-            <a:off x="5598621" y="3035112"/>
-            <a:ext cx="1167936" cy="896184"/>
+            <a:off x="3728722" y="3292980"/>
+            <a:ext cx="826651" cy="912637"/>
           </a:xfrm>
           <a:prstGeom prst="bentConnector2">
             <a:avLst/>
@@ -5379,14 +5512,13 @@
           <p:cNvPr id="25" name="꺾인 연결선 24"/>
           <p:cNvCxnSpPr>
             <a:stCxn id="9" idx="3"/>
-            <a:endCxn id="6" idx="2"/>
           </p:cNvCxnSpPr>
           <p:nvPr/>
         </p:nvCxnSpPr>
         <p:spPr>
           <a:xfrm flipV="1">
-            <a:off x="4475018" y="3035112"/>
-            <a:ext cx="1123603" cy="896184"/>
+            <a:off x="2263833" y="3309430"/>
+            <a:ext cx="794302" cy="896186"/>
           </a:xfrm>
           <a:prstGeom prst="bentConnector2">
             <a:avLst/>
@@ -5413,6 +5545,235 @@
           </a:fontRef>
         </p:style>
       </p:cxnSp>
+      <p:sp>
+        <p:nvSpPr>
+          <p:cNvPr id="15" name="순서도: 처리 14"/>
+          <p:cNvSpPr/>
+          <p:nvPr/>
+        </p:nvSpPr>
+        <p:spPr>
+          <a:xfrm>
+            <a:off x="2747354" y="4928822"/>
+            <a:ext cx="1305098" cy="532015"/>
+          </a:xfrm>
+          <a:prstGeom prst="flowChartProcess">
+            <a:avLst/>
+          </a:prstGeom>
+        </p:spPr>
+        <p:style>
+          <a:lnRef idx="2">
+            <a:schemeClr val="accent1">
+              <a:shade val="50000"/>
+            </a:schemeClr>
+          </a:lnRef>
+          <a:fillRef idx="1">
+            <a:schemeClr val="accent1"/>
+          </a:fillRef>
+          <a:effectRef idx="0">
+            <a:schemeClr val="accent1"/>
+          </a:effectRef>
+          <a:fontRef idx="minor">
+            <a:schemeClr val="lt1"/>
+          </a:fontRef>
+        </p:style>
+        <p:txBody>
+          <a:bodyPr rtlCol="0" anchor="ctr"/>
+          <a:lstStyle/>
+          <a:p>
+            <a:pPr algn="ctr"/>
+            <a:r>
+              <a:rPr lang="en-US" altLang="ko-KR" dirty="0" smtClean="0"/>
+              <a:t>Popup</a:t>
+            </a:r>
+            <a:br>
+              <a:rPr lang="en-US" altLang="ko-KR" dirty="0" smtClean="0"/>
+            </a:br>
+            <a:r>
+              <a:rPr lang="en-US" altLang="ko-KR" dirty="0" smtClean="0"/>
+              <a:t>Layer</a:t>
+            </a:r>
+            <a:endParaRPr lang="ko-KR" altLang="en-US" dirty="0"/>
+          </a:p>
+        </p:txBody>
+      </p:sp>
+      <p:sp>
+        <p:nvSpPr>
+          <p:cNvPr id="16" name="순서도: 처리 15"/>
+          <p:cNvSpPr/>
+          <p:nvPr/>
+        </p:nvSpPr>
+        <p:spPr>
+          <a:xfrm>
+            <a:off x="2747354" y="5743468"/>
+            <a:ext cx="1305098" cy="532015"/>
+          </a:xfrm>
+          <a:prstGeom prst="flowChartProcess">
+            <a:avLst/>
+          </a:prstGeom>
+        </p:spPr>
+        <p:style>
+          <a:lnRef idx="2">
+            <a:schemeClr val="accent1">
+              <a:shade val="50000"/>
+            </a:schemeClr>
+          </a:lnRef>
+          <a:fillRef idx="1">
+            <a:schemeClr val="accent1"/>
+          </a:fillRef>
+          <a:effectRef idx="0">
+            <a:schemeClr val="accent1"/>
+          </a:effectRef>
+          <a:fontRef idx="minor">
+            <a:schemeClr val="lt1"/>
+          </a:fontRef>
+        </p:style>
+        <p:txBody>
+          <a:bodyPr rtlCol="0" anchor="ctr"/>
+          <a:lstStyle/>
+          <a:p>
+            <a:pPr algn="ctr"/>
+            <a:r>
+              <a:rPr lang="en-US" altLang="ko-KR" dirty="0" smtClean="0"/>
+              <a:t>Item</a:t>
+            </a:r>
+            <a:br>
+              <a:rPr lang="en-US" altLang="ko-KR" dirty="0" smtClean="0"/>
+            </a:br>
+            <a:r>
+              <a:rPr lang="en-US" altLang="ko-KR" dirty="0" err="1" smtClean="0"/>
+              <a:t>Iventory</a:t>
+            </a:r>
+            <a:endParaRPr lang="ko-KR" altLang="en-US" dirty="0"/>
+          </a:p>
+        </p:txBody>
+      </p:sp>
+      <p:cxnSp>
+        <p:nvCxnSpPr>
+          <p:cNvPr id="31" name="직선 화살표 연결선 30"/>
+          <p:cNvCxnSpPr>
+            <a:stCxn id="15" idx="2"/>
+            <a:endCxn id="16" idx="0"/>
+          </p:cNvCxnSpPr>
+          <p:nvPr/>
+        </p:nvCxnSpPr>
+        <p:spPr>
+          <a:xfrm>
+            <a:off x="3399903" y="5460837"/>
+            <a:ext cx="0" cy="282631"/>
+          </a:xfrm>
+          <a:prstGeom prst="straightConnector1">
+            <a:avLst/>
+          </a:prstGeom>
+          <a:ln>
+            <a:tailEnd type="triangle"/>
+          </a:ln>
+        </p:spPr>
+        <p:style>
+          <a:lnRef idx="1">
+            <a:schemeClr val="accent1"/>
+          </a:lnRef>
+          <a:fillRef idx="0">
+            <a:schemeClr val="accent1"/>
+          </a:fillRef>
+          <a:effectRef idx="0">
+            <a:schemeClr val="accent1"/>
+          </a:effectRef>
+          <a:fontRef idx="minor">
+            <a:schemeClr val="tx1"/>
+          </a:fontRef>
+        </p:style>
+      </p:cxnSp>
+      <p:cxnSp>
+        <p:nvCxnSpPr>
+          <p:cNvPr id="35" name="직선 화살표 연결선 34"/>
+          <p:cNvCxnSpPr>
+            <a:stCxn id="5" idx="2"/>
+            <a:endCxn id="6" idx="0"/>
+          </p:cNvCxnSpPr>
+          <p:nvPr/>
+        </p:nvCxnSpPr>
+        <p:spPr>
+          <a:xfrm>
+            <a:off x="3387435" y="2307763"/>
+            <a:ext cx="1" cy="469654"/>
+          </a:xfrm>
+          <a:prstGeom prst="straightConnector1">
+            <a:avLst/>
+          </a:prstGeom>
+          <a:ln>
+            <a:tailEnd type="triangle"/>
+          </a:ln>
+        </p:spPr>
+        <p:style>
+          <a:lnRef idx="1">
+            <a:schemeClr val="accent1"/>
+          </a:lnRef>
+          <a:fillRef idx="0">
+            <a:schemeClr val="accent1"/>
+          </a:fillRef>
+          <a:effectRef idx="0">
+            <a:schemeClr val="accent1"/>
+          </a:effectRef>
+          <a:fontRef idx="minor">
+            <a:schemeClr val="tx1"/>
+          </a:fontRef>
+        </p:style>
+      </p:cxnSp>
+      <p:sp>
+        <p:nvSpPr>
+          <p:cNvPr id="41" name="왼쪽/오른쪽 화살표 40"/>
+          <p:cNvSpPr/>
+          <p:nvPr/>
+        </p:nvSpPr>
+        <p:spPr>
+          <a:xfrm rot="5400000">
+            <a:off x="2679832" y="3953807"/>
+            <a:ext cx="1415207" cy="379183"/>
+          </a:xfrm>
+          <a:prstGeom prst="leftRightArrow">
+            <a:avLst/>
+          </a:prstGeom>
+          <a:solidFill>
+            <a:srgbClr val="92D050"/>
+          </a:solidFill>
+        </p:spPr>
+        <p:style>
+          <a:lnRef idx="2">
+            <a:schemeClr val="accent1">
+              <a:shade val="50000"/>
+            </a:schemeClr>
+          </a:lnRef>
+          <a:fillRef idx="1">
+            <a:schemeClr val="accent1"/>
+          </a:fillRef>
+          <a:effectRef idx="0">
+            <a:schemeClr val="accent1"/>
+          </a:effectRef>
+          <a:fontRef idx="minor">
+            <a:schemeClr val="lt1"/>
+          </a:fontRef>
+        </p:style>
+        <p:txBody>
+          <a:bodyPr rtlCol="0" anchor="ctr"/>
+          <a:lstStyle/>
+          <a:p>
+            <a:pPr algn="ctr"/>
+            <a:r>
+              <a:rPr lang="en-US" altLang="ko-KR" sz="1000" b="1" dirty="0"/>
+              <a:t>Input (</a:t>
+            </a:r>
+            <a:r>
+              <a:rPr lang="en-US" altLang="ko-KR" sz="1000" b="1" dirty="0" err="1"/>
+              <a:t>Keycode.I</a:t>
+            </a:r>
+            <a:r>
+              <a:rPr lang="en-US" altLang="ko-KR" sz="1000" b="1" dirty="0" smtClean="0"/>
+              <a:t>)</a:t>
+            </a:r>
+            <a:endParaRPr lang="ko-KR" altLang="en-US" sz="1000" b="1" dirty="0"/>
+          </a:p>
+        </p:txBody>
+      </p:sp>
     </p:spTree>
     <p:extLst>
       <p:ext uri="{BB962C8B-B14F-4D97-AF65-F5344CB8AC3E}">
@@ -6013,7 +6374,7 @@
         <p:spPr>
           <a:xfrm>
             <a:off x="466927" y="4444105"/>
-            <a:ext cx="3881336" cy="369332"/>
+            <a:ext cx="6147882" cy="646331"/>
           </a:xfrm>
           <a:prstGeom prst="rect">
             <a:avLst/>
@@ -6026,6 +6387,10 @@
           </a:bodyPr>
           <a:lstStyle/>
           <a:p>
+            <a:pPr marL="285750" indent="-285750">
+              <a:buFont typeface="Arial" panose="020B0604020202020204" pitchFamily="34" charset="0"/>
+              <a:buChar char="•"/>
+            </a:pPr>
             <a:r>
               <a:rPr lang="ko-KR" altLang="en-US" dirty="0" smtClean="0"/>
               <a:t>버튼은 텍스트스타일 </a:t>
@@ -6033,6 +6398,29 @@
             <a:r>
               <a:rPr lang="ko-KR" altLang="en-US" dirty="0" err="1" smtClean="0"/>
               <a:t>투명이미지</a:t>
+            </a:r>
+            <a:endParaRPr lang="en-US" altLang="ko-KR" dirty="0" smtClean="0"/>
+          </a:p>
+          <a:p>
+            <a:pPr marL="285750" indent="-285750">
+              <a:buFont typeface="Arial" panose="020B0604020202020204" pitchFamily="34" charset="0"/>
+              <a:buChar char="•"/>
+            </a:pPr>
+            <a:r>
+              <a:rPr lang="ko-KR" altLang="en-US" dirty="0" smtClean="0"/>
+              <a:t>나를 </a:t>
+            </a:r>
+            <a:r>
+              <a:rPr lang="ko-KR" altLang="en-US" dirty="0" err="1" smtClean="0"/>
+              <a:t>죽인적</a:t>
+            </a:r>
+            <a:r>
+              <a:rPr lang="en-US" altLang="ko-KR" dirty="0" smtClean="0"/>
+              <a:t>: </a:t>
+            </a:r>
+            <a:r>
+              <a:rPr lang="ko-KR" altLang="en-US" dirty="0" smtClean="0"/>
+              <a:t>마지막에 플레이어를 처치한 몬스터</a:t>
             </a:r>
             <a:endParaRPr lang="ko-KR" altLang="en-US" dirty="0"/>
           </a:p>
@@ -7932,7 +8320,12 @@
             <p:ph idx="1"/>
           </p:nvPr>
         </p:nvSpPr>
-        <p:spPr/>
+        <p:spPr>
+          <a:xfrm>
+            <a:off x="838200" y="1825626"/>
+            <a:ext cx="10515600" cy="2775558"/>
+          </a:xfrm>
+        </p:spPr>
         <p:txBody>
           <a:bodyPr/>
           <a:lstStyle/>
@@ -7941,19 +8334,73 @@
               <a:rPr lang="ko-KR" altLang="en-US" dirty="0" smtClean="0"/>
               <a:t>무적</a:t>
             </a:r>
-            <a:endParaRPr lang="en-US" altLang="ko-KR" dirty="0" smtClean="0"/>
+            <a:r>
+              <a:rPr lang="en-US" altLang="ko-KR" dirty="0" smtClean="0"/>
+              <a:t>: </a:t>
+            </a:r>
+            <a:r>
+              <a:rPr lang="ko-KR" altLang="en-US" dirty="0" smtClean="0"/>
+              <a:t>일정시간동안 </a:t>
+            </a:r>
+            <a:r>
+              <a:rPr lang="ko-KR" altLang="en-US" dirty="0" err="1" smtClean="0"/>
+              <a:t>데미지를</a:t>
+            </a:r>
+            <a:r>
+              <a:rPr lang="ko-KR" altLang="en-US" dirty="0" smtClean="0"/>
+              <a:t> 받지않는다</a:t>
+            </a:r>
+            <a:r>
+              <a:rPr lang="en-US" altLang="ko-KR" dirty="0" smtClean="0"/>
+              <a:t>.</a:t>
+            </a:r>
           </a:p>
           <a:p>
             <a:r>
               <a:rPr lang="ko-KR" altLang="en-US" dirty="0" smtClean="0"/>
               <a:t>회복</a:t>
             </a:r>
-            <a:endParaRPr lang="en-US" altLang="ko-KR" dirty="0" smtClean="0"/>
-          </a:p>
-          <a:p>
+            <a:r>
+              <a:rPr lang="en-US" altLang="ko-KR" dirty="0" smtClean="0"/>
+              <a:t>: </a:t>
+            </a:r>
+            <a:r>
+              <a:rPr lang="en-US" altLang="ko-KR" dirty="0" err="1" smtClean="0"/>
+              <a:t>hp</a:t>
+            </a:r>
             <a:r>
               <a:rPr lang="ko-KR" altLang="en-US" dirty="0" smtClean="0"/>
-              <a:t>축복</a:t>
+              <a:t>를 전부 회복한다</a:t>
+            </a:r>
+            <a:r>
+              <a:rPr lang="en-US" altLang="ko-KR" dirty="0" smtClean="0"/>
+              <a:t>.</a:t>
+            </a:r>
+          </a:p>
+          <a:p>
+            <a:r>
+              <a:rPr lang="ko-KR" altLang="en-US" dirty="0" err="1" smtClean="0"/>
+              <a:t>노말건</a:t>
+            </a:r>
+            <a:r>
+              <a:rPr lang="en-US" altLang="ko-KR" dirty="0" smtClean="0"/>
+              <a:t>: </a:t>
+            </a:r>
+            <a:r>
+              <a:rPr lang="ko-KR" altLang="en-US" dirty="0" smtClean="0"/>
+              <a:t>총알을 </a:t>
+            </a:r>
+            <a:r>
+              <a:rPr lang="en-US" altLang="ko-KR" dirty="0" smtClean="0"/>
+              <a:t>1</a:t>
+            </a:r>
+            <a:r>
+              <a:rPr lang="ko-KR" altLang="en-US" dirty="0" smtClean="0"/>
+              <a:t>개씩 발사한다</a:t>
+            </a:r>
+            <a:r>
+              <a:rPr lang="en-US" altLang="ko-KR" dirty="0" smtClean="0"/>
+              <a:t>.</a:t>
             </a:r>
             <a:endParaRPr lang="en-US" altLang="ko-KR" dirty="0"/>
           </a:p>
@@ -7962,12 +8409,141 @@
               <a:rPr lang="ko-KR" altLang="en-US" dirty="0" err="1" smtClean="0"/>
               <a:t>레이저건</a:t>
             </a:r>
-            <a:endParaRPr lang="en-US" altLang="ko-KR" dirty="0" smtClean="0"/>
+            <a:r>
+              <a:rPr lang="en-US" altLang="ko-KR" dirty="0" smtClean="0"/>
+              <a:t>: </a:t>
+            </a:r>
+            <a:r>
+              <a:rPr lang="ko-KR" altLang="en-US" dirty="0" smtClean="0"/>
+              <a:t>직선상에 적들모두에게 일정주기마다 </a:t>
+            </a:r>
+            <a:r>
+              <a:rPr lang="ko-KR" altLang="en-US" dirty="0" err="1" smtClean="0"/>
+              <a:t>데미지를</a:t>
+            </a:r>
+            <a:r>
+              <a:rPr lang="ko-KR" altLang="en-US" dirty="0" smtClean="0"/>
+              <a:t> 준다</a:t>
+            </a:r>
+            <a:r>
+              <a:rPr lang="en-US" altLang="ko-KR" dirty="0" smtClean="0"/>
+              <a:t>.</a:t>
+            </a:r>
           </a:p>
           <a:p>
             <a:r>
               <a:rPr lang="ko-KR" altLang="en-US" dirty="0" smtClean="0"/>
               <a:t>수류탄</a:t>
+            </a:r>
+            <a:r>
+              <a:rPr lang="en-US" altLang="ko-KR" dirty="0" smtClean="0"/>
+              <a:t>: </a:t>
+            </a:r>
+            <a:r>
+              <a:rPr lang="ko-KR" altLang="en-US" dirty="0" err="1" smtClean="0"/>
+              <a:t>일정범위에</a:t>
+            </a:r>
+            <a:r>
+              <a:rPr lang="ko-KR" altLang="en-US" dirty="0" smtClean="0"/>
+              <a:t> 폭발하여 </a:t>
+            </a:r>
+            <a:r>
+              <a:rPr lang="ko-KR" altLang="en-US" dirty="0" err="1" smtClean="0"/>
+              <a:t>스플레시</a:t>
+            </a:r>
+            <a:r>
+              <a:rPr lang="ko-KR" altLang="en-US" dirty="0" smtClean="0"/>
+              <a:t> </a:t>
+            </a:r>
+            <a:r>
+              <a:rPr lang="ko-KR" altLang="en-US" dirty="0" err="1" smtClean="0"/>
+              <a:t>데미지를</a:t>
+            </a:r>
+            <a:r>
+              <a:rPr lang="ko-KR" altLang="en-US" dirty="0" smtClean="0"/>
+              <a:t> 준다</a:t>
+            </a:r>
+            <a:r>
+              <a:rPr lang="en-US" altLang="ko-KR" dirty="0" smtClean="0"/>
+              <a:t>.</a:t>
+            </a:r>
+          </a:p>
+          <a:p>
+            <a:endParaRPr lang="en-US" altLang="ko-KR" dirty="0"/>
+          </a:p>
+          <a:p>
+            <a:endParaRPr lang="en-US" altLang="ko-KR" dirty="0" smtClean="0"/>
+          </a:p>
+          <a:p>
+            <a:endParaRPr lang="en-US" altLang="ko-KR" dirty="0"/>
+          </a:p>
+        </p:txBody>
+      </p:sp>
+      <p:sp>
+        <p:nvSpPr>
+          <p:cNvPr id="4" name="TextBox 3"/>
+          <p:cNvSpPr txBox="1"/>
+          <p:nvPr/>
+        </p:nvSpPr>
+        <p:spPr>
+          <a:xfrm>
+            <a:off x="943583" y="4601184"/>
+            <a:ext cx="9426102" cy="369332"/>
+          </a:xfrm>
+          <a:prstGeom prst="rect">
+            <a:avLst/>
+          </a:prstGeom>
+          <a:noFill/>
+        </p:spPr>
+        <p:txBody>
+          <a:bodyPr wrap="square" rtlCol="0">
+            <a:spAutoFit/>
+          </a:bodyPr>
+          <a:lstStyle/>
+          <a:p>
+            <a:r>
+              <a:rPr lang="ko-KR" altLang="en-US" dirty="0" smtClean="0"/>
+              <a:t>이름</a:t>
+            </a:r>
+            <a:r>
+              <a:rPr lang="en-US" altLang="ko-KR" dirty="0" smtClean="0"/>
+              <a:t>,</a:t>
+            </a:r>
+            <a:r>
+              <a:rPr lang="ko-KR" altLang="en-US" dirty="0" smtClean="0"/>
+              <a:t>설명</a:t>
+            </a:r>
+            <a:r>
+              <a:rPr lang="en-US" altLang="ko-KR" dirty="0" smtClean="0"/>
+              <a:t>,</a:t>
+            </a:r>
+            <a:r>
+              <a:rPr lang="ko-KR" altLang="en-US" dirty="0" smtClean="0"/>
+              <a:t>효과</a:t>
+            </a:r>
+            <a:r>
+              <a:rPr lang="en-US" altLang="ko-KR" dirty="0" smtClean="0"/>
+              <a:t>,</a:t>
+            </a:r>
+            <a:r>
+              <a:rPr lang="ko-KR" altLang="en-US" dirty="0" smtClean="0"/>
+              <a:t>이미지</a:t>
+            </a:r>
+            <a:r>
+              <a:rPr lang="en-US" altLang="ko-KR" dirty="0" smtClean="0"/>
+              <a:t>,</a:t>
+            </a:r>
+            <a:r>
+              <a:rPr lang="ko-KR" altLang="en-US" dirty="0" smtClean="0"/>
+              <a:t>이펙트</a:t>
+            </a:r>
+            <a:r>
+              <a:rPr lang="en-US" altLang="ko-KR" dirty="0" smtClean="0"/>
+              <a:t>,</a:t>
+            </a:r>
+            <a:r>
+              <a:rPr lang="ko-KR" altLang="en-US" dirty="0" err="1" smtClean="0"/>
+              <a:t>프리팹</a:t>
             </a:r>
             <a:endParaRPr lang="ko-KR" altLang="en-US" dirty="0"/>
           </a:p>
@@ -8020,12 +8596,847 @@
           <a:p>
             <a:r>
               <a:rPr lang="ko-KR" altLang="en-US" dirty="0" smtClean="0"/>
-              <a:t>아이템</a:t>
+              <a:t>아이템 </a:t>
+            </a:r>
+            <a:r>
+              <a:rPr lang="en-US" altLang="ko-KR" dirty="0" smtClean="0"/>
+              <a:t>#</a:t>
+            </a:r>
+            <a:r>
+              <a:rPr lang="ko-KR" altLang="en-US" dirty="0" smtClean="0"/>
+              <a:t>데이터테이블</a:t>
             </a:r>
             <a:endParaRPr lang="ko-KR" altLang="en-US" dirty="0"/>
           </a:p>
         </p:txBody>
       </p:sp>
+      <p:sp>
+        <p:nvSpPr>
+          <p:cNvPr id="5" name="TextBox 4"/>
+          <p:cNvSpPr txBox="1"/>
+          <p:nvPr/>
+        </p:nvSpPr>
+        <p:spPr>
+          <a:xfrm>
+            <a:off x="838200" y="1651776"/>
+            <a:ext cx="9426102" cy="369332"/>
+          </a:xfrm>
+          <a:prstGeom prst="rect">
+            <a:avLst/>
+          </a:prstGeom>
+          <a:noFill/>
+        </p:spPr>
+        <p:txBody>
+          <a:bodyPr wrap="square" rtlCol="0">
+            <a:spAutoFit/>
+          </a:bodyPr>
+          <a:lstStyle/>
+          <a:p>
+            <a:r>
+              <a:rPr lang="ko-KR" altLang="en-US" dirty="0" smtClean="0"/>
+              <a:t>이름</a:t>
+            </a:r>
+            <a:r>
+              <a:rPr lang="en-US" altLang="ko-KR" dirty="0" smtClean="0"/>
+              <a:t>,</a:t>
+            </a:r>
+            <a:r>
+              <a:rPr lang="ko-KR" altLang="en-US" dirty="0" smtClean="0"/>
+              <a:t>설명</a:t>
+            </a:r>
+            <a:r>
+              <a:rPr lang="en-US" altLang="ko-KR" dirty="0" smtClean="0"/>
+              <a:t>,</a:t>
+            </a:r>
+            <a:r>
+              <a:rPr lang="ko-KR" altLang="en-US" dirty="0" smtClean="0"/>
+              <a:t>효과</a:t>
+            </a:r>
+            <a:r>
+              <a:rPr lang="en-US" altLang="ko-KR" dirty="0" smtClean="0"/>
+              <a:t>,</a:t>
+            </a:r>
+            <a:r>
+              <a:rPr lang="ko-KR" altLang="en-US" dirty="0" smtClean="0"/>
+              <a:t>이미지</a:t>
+            </a:r>
+            <a:r>
+              <a:rPr lang="en-US" altLang="ko-KR" dirty="0" smtClean="0"/>
+              <a:t>,</a:t>
+            </a:r>
+            <a:r>
+              <a:rPr lang="ko-KR" altLang="en-US" dirty="0" smtClean="0"/>
+              <a:t>이펙트</a:t>
+            </a:r>
+            <a:r>
+              <a:rPr lang="en-US" altLang="ko-KR" dirty="0" smtClean="0"/>
+              <a:t>,</a:t>
+            </a:r>
+            <a:r>
+              <a:rPr lang="ko-KR" altLang="en-US" dirty="0" err="1" smtClean="0"/>
+              <a:t>프리팹</a:t>
+            </a:r>
+            <a:endParaRPr lang="ko-KR" altLang="en-US" dirty="0"/>
+          </a:p>
+        </p:txBody>
+      </p:sp>
+      <p:graphicFrame>
+        <p:nvGraphicFramePr>
+          <p:cNvPr id="6" name="표 5"/>
+          <p:cNvGraphicFramePr>
+            <a:graphicFrameLocks noGrp="1"/>
+          </p:cNvGraphicFramePr>
+          <p:nvPr>
+            <p:extLst>
+              <p:ext uri="{D42A27DB-BD31-4B8C-83A1-F6EECF244321}">
+                <p14:modId xmlns:p14="http://schemas.microsoft.com/office/powerpoint/2010/main" val="1023000788"/>
+              </p:ext>
+            </p:extLst>
+          </p:nvPr>
+        </p:nvGraphicFramePr>
+        <p:xfrm>
+          <a:off x="267240" y="2339502"/>
+          <a:ext cx="11657519" cy="2225040"/>
+        </p:xfrm>
+        <a:graphic>
+          <a:graphicData uri="http://schemas.openxmlformats.org/drawingml/2006/table">
+            <a:tbl>
+              <a:tblPr firstRow="1" bandRow="1">
+                <a:tableStyleId>{5C22544A-7EE6-4342-B048-85BDC9FD1C3A}</a:tableStyleId>
+              </a:tblPr>
+              <a:tblGrid>
+                <a:gridCol w="919784">
+                  <a:extLst>
+                    <a:ext uri="{9D8B030D-6E8A-4147-A177-3AD203B41FA5}">
+                      <a16:colId xmlns:a16="http://schemas.microsoft.com/office/drawing/2014/main" val="3268395074"/>
+                    </a:ext>
+                  </a:extLst>
+                </a:gridCol>
+                <a:gridCol w="4259779">
+                  <a:extLst>
+                    <a:ext uri="{9D8B030D-6E8A-4147-A177-3AD203B41FA5}">
+                      <a16:colId xmlns:a16="http://schemas.microsoft.com/office/drawing/2014/main" val="3800768024"/>
+                    </a:ext>
+                  </a:extLst>
+                </a:gridCol>
+                <a:gridCol w="1044062">
+                  <a:extLst>
+                    <a:ext uri="{9D8B030D-6E8A-4147-A177-3AD203B41FA5}">
+                      <a16:colId xmlns:a16="http://schemas.microsoft.com/office/drawing/2014/main" val="3189882744"/>
+                    </a:ext>
+                  </a:extLst>
+                </a:gridCol>
+                <a:gridCol w="1437627">
+                  <a:extLst>
+                    <a:ext uri="{9D8B030D-6E8A-4147-A177-3AD203B41FA5}">
+                      <a16:colId xmlns:a16="http://schemas.microsoft.com/office/drawing/2014/main" val="3593294859"/>
+                    </a:ext>
+                  </a:extLst>
+                </a:gridCol>
+                <a:gridCol w="1794934">
+                  <a:extLst>
+                    <a:ext uri="{9D8B030D-6E8A-4147-A177-3AD203B41FA5}">
+                      <a16:colId xmlns:a16="http://schemas.microsoft.com/office/drawing/2014/main" val="259239418"/>
+                    </a:ext>
+                  </a:extLst>
+                </a:gridCol>
+                <a:gridCol w="2201333">
+                  <a:extLst>
+                    <a:ext uri="{9D8B030D-6E8A-4147-A177-3AD203B41FA5}">
+                      <a16:colId xmlns:a16="http://schemas.microsoft.com/office/drawing/2014/main" val="256319511"/>
+                    </a:ext>
+                  </a:extLst>
+                </a:gridCol>
+              </a:tblGrid>
+              <a:tr h="370840">
+                <a:tc>
+                  <a:txBody>
+                    <a:bodyPr/>
+                    <a:lstStyle/>
+                    <a:p>
+                      <a:pPr latinLnBrk="1"/>
+                      <a:r>
+                        <a:rPr lang="ko-KR" altLang="en-US" dirty="0" smtClean="0"/>
+                        <a:t>이름</a:t>
+                      </a:r>
+                      <a:endParaRPr lang="ko-KR" altLang="en-US" dirty="0"/>
+                    </a:p>
+                  </a:txBody>
+                  <a:tcPr/>
+                </a:tc>
+                <a:tc>
+                  <a:txBody>
+                    <a:bodyPr/>
+                    <a:lstStyle/>
+                    <a:p>
+                      <a:pPr latinLnBrk="1"/>
+                      <a:r>
+                        <a:rPr lang="ko-KR" altLang="en-US" dirty="0" smtClean="0"/>
+                        <a:t>설명</a:t>
+                      </a:r>
+                      <a:endParaRPr lang="ko-KR" altLang="en-US" dirty="0"/>
+                    </a:p>
+                  </a:txBody>
+                  <a:tcPr/>
+                </a:tc>
+                <a:tc>
+                  <a:txBody>
+                    <a:bodyPr/>
+                    <a:lstStyle/>
+                    <a:p>
+                      <a:pPr latinLnBrk="1"/>
+                      <a:r>
+                        <a:rPr lang="ko-KR" altLang="en-US" dirty="0" smtClean="0"/>
+                        <a:t>효과</a:t>
+                      </a:r>
+                      <a:endParaRPr lang="ko-KR" altLang="en-US" dirty="0"/>
+                    </a:p>
+                  </a:txBody>
+                  <a:tcPr/>
+                </a:tc>
+                <a:tc>
+                  <a:txBody>
+                    <a:bodyPr/>
+                    <a:lstStyle/>
+                    <a:p>
+                      <a:pPr latinLnBrk="1"/>
+                      <a:r>
+                        <a:rPr lang="ko-KR" altLang="en-US" dirty="0" smtClean="0"/>
+                        <a:t>아이콘</a:t>
+                      </a:r>
+                      <a:endParaRPr lang="ko-KR" altLang="en-US" dirty="0"/>
+                    </a:p>
+                  </a:txBody>
+                  <a:tcPr/>
+                </a:tc>
+                <a:tc>
+                  <a:txBody>
+                    <a:bodyPr/>
+                    <a:lstStyle/>
+                    <a:p>
+                      <a:pPr latinLnBrk="1"/>
+                      <a:r>
+                        <a:rPr lang="ko-KR" altLang="en-US" dirty="0" smtClean="0"/>
+                        <a:t>이펙트</a:t>
+                      </a:r>
+                      <a:endParaRPr lang="ko-KR" altLang="en-US" dirty="0"/>
+                    </a:p>
+                  </a:txBody>
+                  <a:tcPr/>
+                </a:tc>
+                <a:tc>
+                  <a:txBody>
+                    <a:bodyPr/>
+                    <a:lstStyle/>
+                    <a:p>
+                      <a:pPr latinLnBrk="1"/>
+                      <a:r>
+                        <a:rPr lang="ko-KR" altLang="en-US" dirty="0" smtClean="0"/>
+                        <a:t>오브젝트</a:t>
+                      </a:r>
+                      <a:endParaRPr lang="ko-KR" altLang="en-US" dirty="0"/>
+                    </a:p>
+                  </a:txBody>
+                  <a:tcPr/>
+                </a:tc>
+                <a:extLst>
+                  <a:ext uri="{0D108BD9-81ED-4DB2-BD59-A6C34878D82A}">
+                    <a16:rowId xmlns:a16="http://schemas.microsoft.com/office/drawing/2014/main" val="1180313284"/>
+                  </a:ext>
+                </a:extLst>
+              </a:tr>
+              <a:tr h="370840">
+                <a:tc>
+                  <a:txBody>
+                    <a:bodyPr/>
+                    <a:lstStyle/>
+                    <a:p>
+                      <a:pPr latinLnBrk="1"/>
+                      <a:r>
+                        <a:rPr lang="ko-KR" altLang="en-US" dirty="0" smtClean="0"/>
+                        <a:t>무적</a:t>
+                      </a:r>
+                      <a:endParaRPr lang="ko-KR" altLang="en-US" dirty="0"/>
+                    </a:p>
+                  </a:txBody>
+                  <a:tcPr/>
+                </a:tc>
+                <a:tc>
+                  <a:txBody>
+                    <a:bodyPr/>
+                    <a:lstStyle/>
+                    <a:p>
+                      <a:pPr marL="0" marR="0" indent="0" algn="l" defTabSz="914400" rtl="0" eaLnBrk="1" fontAlgn="auto" latinLnBrk="1" hangingPunct="1">
+                        <a:lnSpc>
+                          <a:spcPct val="100000"/>
+                        </a:lnSpc>
+                        <a:spcBef>
+                          <a:spcPts val="0"/>
+                        </a:spcBef>
+                        <a:spcAft>
+                          <a:spcPts val="0"/>
+                        </a:spcAft>
+                        <a:buClrTx/>
+                        <a:buSzTx/>
+                        <a:buFontTx/>
+                        <a:buNone/>
+                        <a:tabLst/>
+                        <a:defRPr/>
+                      </a:pPr>
+                      <a:r>
+                        <a:rPr lang="ko-KR" altLang="en-US" dirty="0" smtClean="0"/>
+                        <a:t>일정시간동안 </a:t>
+                      </a:r>
+                      <a:r>
+                        <a:rPr lang="ko-KR" altLang="en-US" dirty="0" err="1" smtClean="0"/>
+                        <a:t>데미지를</a:t>
+                      </a:r>
+                      <a:r>
+                        <a:rPr lang="ko-KR" altLang="en-US" dirty="0" smtClean="0"/>
+                        <a:t> 받지않는다</a:t>
+                      </a:r>
+                      <a:r>
+                        <a:rPr lang="en-US" altLang="ko-KR" dirty="0" smtClean="0"/>
+                        <a:t>.</a:t>
+                      </a:r>
+                    </a:p>
+                  </a:txBody>
+                  <a:tcPr/>
+                </a:tc>
+                <a:tc>
+                  <a:txBody>
+                    <a:bodyPr/>
+                    <a:lstStyle/>
+                    <a:p>
+                      <a:pPr latinLnBrk="1"/>
+                      <a:r>
+                        <a:rPr lang="ko-KR" altLang="en-US" dirty="0" smtClean="0"/>
+                        <a:t>무적</a:t>
+                      </a:r>
+                      <a:endParaRPr lang="ko-KR" altLang="en-US" dirty="0"/>
+                    </a:p>
+                  </a:txBody>
+                  <a:tcPr/>
+                </a:tc>
+                <a:tc>
+                  <a:txBody>
+                    <a:bodyPr/>
+                    <a:lstStyle/>
+                    <a:p>
+                      <a:pPr latinLnBrk="1"/>
+                      <a:r>
+                        <a:rPr lang="en-US" altLang="ko-KR" dirty="0" err="1" smtClean="0"/>
+                        <a:t>yellow_gem</a:t>
+                      </a:r>
+                      <a:endParaRPr lang="ko-KR" altLang="en-US" dirty="0"/>
+                    </a:p>
+                  </a:txBody>
+                  <a:tcPr/>
+                </a:tc>
+                <a:tc>
+                  <a:txBody>
+                    <a:bodyPr/>
+                    <a:lstStyle/>
+                    <a:p>
+                      <a:pPr latinLnBrk="1"/>
+                      <a:r>
+                        <a:rPr lang="en-US" altLang="ko-KR" dirty="0" err="1" smtClean="0"/>
+                        <a:t>supe_mode_eff</a:t>
+                      </a:r>
+                      <a:endParaRPr lang="ko-KR" altLang="en-US" dirty="0"/>
+                    </a:p>
+                  </a:txBody>
+                  <a:tcPr/>
+                </a:tc>
+                <a:tc>
+                  <a:txBody>
+                    <a:bodyPr/>
+                    <a:lstStyle/>
+                    <a:p>
+                      <a:pPr latinLnBrk="1"/>
+                      <a:r>
+                        <a:rPr lang="en-US" altLang="ko-KR" dirty="0" err="1" smtClean="0"/>
+                        <a:t>super_mode_obj</a:t>
+                      </a:r>
+                      <a:endParaRPr lang="ko-KR" altLang="en-US" dirty="0"/>
+                    </a:p>
+                  </a:txBody>
+                  <a:tcPr/>
+                </a:tc>
+                <a:extLst>
+                  <a:ext uri="{0D108BD9-81ED-4DB2-BD59-A6C34878D82A}">
+                    <a16:rowId xmlns:a16="http://schemas.microsoft.com/office/drawing/2014/main" val="2934909973"/>
+                  </a:ext>
+                </a:extLst>
+              </a:tr>
+              <a:tr h="370840">
+                <a:tc>
+                  <a:txBody>
+                    <a:bodyPr/>
+                    <a:lstStyle/>
+                    <a:p>
+                      <a:pPr latinLnBrk="1"/>
+                      <a:r>
+                        <a:rPr lang="ko-KR" altLang="en-US" dirty="0" smtClean="0"/>
+                        <a:t>체리</a:t>
+                      </a:r>
+                      <a:endParaRPr lang="en-US" altLang="ko-KR" dirty="0" smtClean="0"/>
+                    </a:p>
+                  </a:txBody>
+                  <a:tcPr/>
+                </a:tc>
+                <a:tc>
+                  <a:txBody>
+                    <a:bodyPr/>
+                    <a:lstStyle/>
+                    <a:p>
+                      <a:pPr latinLnBrk="1"/>
+                      <a:r>
+                        <a:rPr lang="ko-KR" altLang="en-US" dirty="0" smtClean="0"/>
+                        <a:t>체력을 </a:t>
+                      </a:r>
+                      <a:r>
+                        <a:rPr lang="ko-KR" altLang="en-US" dirty="0" smtClean="0"/>
+                        <a:t>모두 회복한다</a:t>
+                      </a:r>
+                      <a:endParaRPr lang="ko-KR" altLang="en-US" dirty="0"/>
+                    </a:p>
+                  </a:txBody>
+                  <a:tcPr/>
+                </a:tc>
+                <a:tc>
+                  <a:txBody>
+                    <a:bodyPr/>
+                    <a:lstStyle/>
+                    <a:p>
+                      <a:pPr latinLnBrk="1"/>
+                      <a:r>
+                        <a:rPr lang="ko-KR" altLang="en-US" dirty="0" smtClean="0"/>
+                        <a:t>회복</a:t>
+                      </a:r>
+                      <a:endParaRPr lang="ko-KR" altLang="en-US" dirty="0"/>
+                    </a:p>
+                  </a:txBody>
+                  <a:tcPr/>
+                </a:tc>
+                <a:tc>
+                  <a:txBody>
+                    <a:bodyPr/>
+                    <a:lstStyle/>
+                    <a:p>
+                      <a:pPr latinLnBrk="1"/>
+                      <a:r>
+                        <a:rPr lang="en-US" altLang="ko-KR" dirty="0" smtClean="0"/>
+                        <a:t>cherry</a:t>
+                      </a:r>
+                      <a:endParaRPr lang="ko-KR" altLang="en-US" dirty="0"/>
+                    </a:p>
+                  </a:txBody>
+                  <a:tcPr/>
+                </a:tc>
+                <a:tc>
+                  <a:txBody>
+                    <a:bodyPr/>
+                    <a:lstStyle/>
+                    <a:p>
+                      <a:pPr latinLnBrk="1"/>
+                      <a:r>
+                        <a:rPr lang="en-US" altLang="ko-KR" dirty="0" err="1" smtClean="0"/>
+                        <a:t>eat_eff</a:t>
+                      </a:r>
+                      <a:endParaRPr lang="ko-KR" altLang="en-US" dirty="0"/>
+                    </a:p>
+                  </a:txBody>
+                  <a:tcPr/>
+                </a:tc>
+                <a:tc>
+                  <a:txBody>
+                    <a:bodyPr/>
+                    <a:lstStyle/>
+                    <a:p>
+                      <a:pPr latinLnBrk="1"/>
+                      <a:r>
+                        <a:rPr lang="en-US" altLang="ko-KR" dirty="0" err="1" smtClean="0"/>
+                        <a:t>recover_cherry_obj</a:t>
+                      </a:r>
+                      <a:endParaRPr lang="ko-KR" altLang="en-US" dirty="0"/>
+                    </a:p>
+                  </a:txBody>
+                  <a:tcPr/>
+                </a:tc>
+                <a:extLst>
+                  <a:ext uri="{0D108BD9-81ED-4DB2-BD59-A6C34878D82A}">
+                    <a16:rowId xmlns:a16="http://schemas.microsoft.com/office/drawing/2014/main" val="3110987834"/>
+                  </a:ext>
+                </a:extLst>
+              </a:tr>
+              <a:tr h="370840">
+                <a:tc>
+                  <a:txBody>
+                    <a:bodyPr/>
+                    <a:lstStyle/>
+                    <a:p>
+                      <a:pPr latinLnBrk="1"/>
+                      <a:r>
+                        <a:rPr lang="ko-KR" altLang="en-US" dirty="0" smtClean="0"/>
+                        <a:t>총알</a:t>
+                      </a:r>
+                      <a:endParaRPr lang="ko-KR" altLang="en-US" dirty="0"/>
+                    </a:p>
+                  </a:txBody>
+                  <a:tcPr/>
+                </a:tc>
+                <a:tc>
+                  <a:txBody>
+                    <a:bodyPr/>
+                    <a:lstStyle/>
+                    <a:p>
+                      <a:pPr latinLnBrk="1"/>
+                      <a:r>
+                        <a:rPr lang="ko-KR" altLang="en-US" dirty="0" smtClean="0"/>
+                        <a:t>총알을 </a:t>
+                      </a:r>
+                      <a:r>
+                        <a:rPr lang="en-US" altLang="ko-KR" dirty="0" smtClean="0"/>
+                        <a:t>1</a:t>
+                      </a:r>
+                      <a:r>
+                        <a:rPr lang="ko-KR" altLang="en-US" dirty="0" smtClean="0"/>
+                        <a:t>개씩 발사한다</a:t>
+                      </a:r>
+                      <a:r>
+                        <a:rPr lang="en-US" altLang="ko-KR" dirty="0" smtClean="0"/>
+                        <a:t>.</a:t>
+                      </a:r>
+                      <a:endParaRPr lang="ko-KR" altLang="en-US" dirty="0"/>
+                    </a:p>
+                  </a:txBody>
+                  <a:tcPr/>
+                </a:tc>
+                <a:tc>
+                  <a:txBody>
+                    <a:bodyPr/>
+                    <a:lstStyle/>
+                    <a:p>
+                      <a:pPr latinLnBrk="1"/>
+                      <a:r>
+                        <a:rPr lang="ko-KR" altLang="en-US" dirty="0" smtClean="0"/>
+                        <a:t>총알</a:t>
+                      </a:r>
+                      <a:endParaRPr lang="ko-KR" altLang="en-US" dirty="0"/>
+                    </a:p>
+                  </a:txBody>
+                  <a:tcPr/>
+                </a:tc>
+                <a:tc>
+                  <a:txBody>
+                    <a:bodyPr/>
+                    <a:lstStyle/>
+                    <a:p>
+                      <a:pPr latinLnBrk="1"/>
+                      <a:r>
+                        <a:rPr lang="en-US" altLang="ko-KR" dirty="0" smtClean="0"/>
+                        <a:t>bullet</a:t>
+                      </a:r>
+                      <a:endParaRPr lang="ko-KR" altLang="en-US" dirty="0"/>
+                    </a:p>
+                  </a:txBody>
+                  <a:tcPr/>
+                </a:tc>
+                <a:tc>
+                  <a:txBody>
+                    <a:bodyPr/>
+                    <a:lstStyle/>
+                    <a:p>
+                      <a:pPr latinLnBrk="1"/>
+                      <a:r>
+                        <a:rPr lang="en-US" altLang="ko-KR" dirty="0" err="1" smtClean="0"/>
+                        <a:t>hit_bullet</a:t>
+                      </a:r>
+                      <a:endParaRPr lang="ko-KR" altLang="en-US" dirty="0"/>
+                    </a:p>
+                  </a:txBody>
+                  <a:tcPr/>
+                </a:tc>
+                <a:tc>
+                  <a:txBody>
+                    <a:bodyPr/>
+                    <a:lstStyle/>
+                    <a:p>
+                      <a:pPr latinLnBrk="1"/>
+                      <a:r>
+                        <a:rPr lang="en-US" altLang="ko-KR" dirty="0" err="1" smtClean="0"/>
+                        <a:t>bullet_obj</a:t>
+                      </a:r>
+                      <a:endParaRPr lang="ko-KR" altLang="en-US" dirty="0"/>
+                    </a:p>
+                  </a:txBody>
+                  <a:tcPr/>
+                </a:tc>
+                <a:extLst>
+                  <a:ext uri="{0D108BD9-81ED-4DB2-BD59-A6C34878D82A}">
+                    <a16:rowId xmlns:a16="http://schemas.microsoft.com/office/drawing/2014/main" val="1399317729"/>
+                  </a:ext>
+                </a:extLst>
+              </a:tr>
+              <a:tr h="370840">
+                <a:tc>
+                  <a:txBody>
+                    <a:bodyPr/>
+                    <a:lstStyle/>
+                    <a:p>
+                      <a:pPr latinLnBrk="1"/>
+                      <a:r>
+                        <a:rPr lang="ko-KR" altLang="en-US" dirty="0" smtClean="0"/>
+                        <a:t>레이저</a:t>
+                      </a:r>
+                      <a:endParaRPr lang="ko-KR" altLang="en-US" dirty="0"/>
+                    </a:p>
+                  </a:txBody>
+                  <a:tcPr/>
+                </a:tc>
+                <a:tc>
+                  <a:txBody>
+                    <a:bodyPr/>
+                    <a:lstStyle/>
+                    <a:p>
+                      <a:pPr latinLnBrk="1"/>
+                      <a:r>
+                        <a:rPr lang="ko-KR" altLang="en-US" dirty="0" smtClean="0"/>
+                        <a:t>직선상에 적에게 </a:t>
+                      </a:r>
+                      <a:r>
+                        <a:rPr lang="ko-KR" altLang="en-US" dirty="0" err="1" smtClean="0"/>
+                        <a:t>데미지를</a:t>
+                      </a:r>
+                      <a:r>
+                        <a:rPr lang="ko-KR" altLang="en-US" dirty="0" smtClean="0"/>
+                        <a:t> 준다</a:t>
+                      </a:r>
+                      <a:r>
+                        <a:rPr lang="en-US" altLang="ko-KR" dirty="0" smtClean="0"/>
+                        <a:t>.</a:t>
+                      </a:r>
+                      <a:endParaRPr lang="ko-KR" altLang="en-US" dirty="0"/>
+                    </a:p>
+                  </a:txBody>
+                  <a:tcPr/>
+                </a:tc>
+                <a:tc>
+                  <a:txBody>
+                    <a:bodyPr/>
+                    <a:lstStyle/>
+                    <a:p>
+                      <a:pPr latinLnBrk="1"/>
+                      <a:r>
+                        <a:rPr lang="ko-KR" altLang="en-US" dirty="0" smtClean="0"/>
+                        <a:t>레이저</a:t>
+                      </a:r>
+                      <a:endParaRPr lang="ko-KR" altLang="en-US" dirty="0"/>
+                    </a:p>
+                  </a:txBody>
+                  <a:tcPr/>
+                </a:tc>
+                <a:tc>
+                  <a:txBody>
+                    <a:bodyPr/>
+                    <a:lstStyle/>
+                    <a:p>
+                      <a:pPr latinLnBrk="1"/>
+                      <a:r>
+                        <a:rPr lang="en-US" altLang="ko-KR" dirty="0" err="1" smtClean="0"/>
+                        <a:t>laser_gem</a:t>
+                      </a:r>
+                      <a:endParaRPr lang="ko-KR" altLang="en-US" dirty="0"/>
+                    </a:p>
+                  </a:txBody>
+                  <a:tcPr/>
+                </a:tc>
+                <a:tc>
+                  <a:txBody>
+                    <a:bodyPr/>
+                    <a:lstStyle/>
+                    <a:p>
+                      <a:pPr latinLnBrk="1"/>
+                      <a:r>
+                        <a:rPr lang="en-US" altLang="ko-KR" dirty="0" err="1" smtClean="0"/>
+                        <a:t>hit_laser</a:t>
+                      </a:r>
+                      <a:endParaRPr lang="ko-KR" altLang="en-US" dirty="0"/>
+                    </a:p>
+                  </a:txBody>
+                  <a:tcPr/>
+                </a:tc>
+                <a:tc>
+                  <a:txBody>
+                    <a:bodyPr/>
+                    <a:lstStyle/>
+                    <a:p>
+                      <a:pPr latinLnBrk="1"/>
+                      <a:r>
+                        <a:rPr lang="en-US" altLang="ko-KR" dirty="0" err="1" smtClean="0"/>
+                        <a:t>laser_obj</a:t>
+                      </a:r>
+                      <a:endParaRPr lang="ko-KR" altLang="en-US" dirty="0"/>
+                    </a:p>
+                  </a:txBody>
+                  <a:tcPr/>
+                </a:tc>
+                <a:extLst>
+                  <a:ext uri="{0D108BD9-81ED-4DB2-BD59-A6C34878D82A}">
+                    <a16:rowId xmlns:a16="http://schemas.microsoft.com/office/drawing/2014/main" val="1170878817"/>
+                  </a:ext>
+                </a:extLst>
+              </a:tr>
+              <a:tr h="370840">
+                <a:tc>
+                  <a:txBody>
+                    <a:bodyPr/>
+                    <a:lstStyle/>
+                    <a:p>
+                      <a:pPr latinLnBrk="1"/>
+                      <a:r>
+                        <a:rPr lang="ko-KR" altLang="en-US" dirty="0" smtClean="0"/>
+                        <a:t>수류탄</a:t>
+                      </a:r>
+                      <a:endParaRPr lang="ko-KR" altLang="en-US" dirty="0"/>
+                    </a:p>
+                  </a:txBody>
+                  <a:tcPr/>
+                </a:tc>
+                <a:tc>
+                  <a:txBody>
+                    <a:bodyPr/>
+                    <a:lstStyle/>
+                    <a:p>
+                      <a:pPr latinLnBrk="1"/>
+                      <a:r>
+                        <a:rPr lang="ko-KR" altLang="en-US" dirty="0" smtClean="0"/>
+                        <a:t>수류탄을 </a:t>
+                      </a:r>
+                      <a:r>
+                        <a:rPr lang="ko-KR" altLang="en-US" dirty="0" err="1" smtClean="0"/>
+                        <a:t>던저</a:t>
+                      </a:r>
+                      <a:r>
+                        <a:rPr lang="ko-KR" altLang="en-US" dirty="0" smtClean="0"/>
+                        <a:t> 주변에 </a:t>
+                      </a:r>
+                      <a:r>
+                        <a:rPr lang="ko-KR" altLang="en-US" dirty="0" err="1" smtClean="0"/>
+                        <a:t>데미지를</a:t>
+                      </a:r>
+                      <a:r>
+                        <a:rPr lang="ko-KR" altLang="en-US" dirty="0" smtClean="0"/>
+                        <a:t> 준다</a:t>
+                      </a:r>
+                      <a:endParaRPr lang="ko-KR" altLang="en-US" dirty="0"/>
+                    </a:p>
+                  </a:txBody>
+                  <a:tcPr/>
+                </a:tc>
+                <a:tc>
+                  <a:txBody>
+                    <a:bodyPr/>
+                    <a:lstStyle/>
+                    <a:p>
+                      <a:pPr latinLnBrk="1"/>
+                      <a:r>
+                        <a:rPr lang="ko-KR" altLang="en-US" dirty="0" smtClean="0"/>
+                        <a:t>수류탄</a:t>
+                      </a:r>
+                      <a:endParaRPr lang="ko-KR" altLang="en-US" dirty="0"/>
+                    </a:p>
+                  </a:txBody>
+                  <a:tcPr/>
+                </a:tc>
+                <a:tc>
+                  <a:txBody>
+                    <a:bodyPr/>
+                    <a:lstStyle/>
+                    <a:p>
+                      <a:pPr latinLnBrk="1"/>
+                      <a:r>
+                        <a:rPr lang="en-US" altLang="ko-KR" dirty="0" err="1" smtClean="0"/>
+                        <a:t>granade</a:t>
+                      </a:r>
+                      <a:endParaRPr lang="ko-KR" altLang="en-US" dirty="0"/>
+                    </a:p>
+                  </a:txBody>
+                  <a:tcPr/>
+                </a:tc>
+                <a:tc>
+                  <a:txBody>
+                    <a:bodyPr/>
+                    <a:lstStyle/>
+                    <a:p>
+                      <a:pPr marL="0" marR="0" indent="0" algn="l" defTabSz="914400" rtl="0" eaLnBrk="1" fontAlgn="auto" latinLnBrk="1" hangingPunct="1">
+                        <a:lnSpc>
+                          <a:spcPct val="100000"/>
+                        </a:lnSpc>
+                        <a:spcBef>
+                          <a:spcPts val="0"/>
+                        </a:spcBef>
+                        <a:spcAft>
+                          <a:spcPts val="0"/>
+                        </a:spcAft>
+                        <a:buClrTx/>
+                        <a:buSzTx/>
+                        <a:buFontTx/>
+                        <a:buNone/>
+                        <a:tabLst/>
+                        <a:defRPr/>
+                      </a:pPr>
+                      <a:r>
+                        <a:rPr lang="en-US" altLang="ko-KR" dirty="0" err="1" smtClean="0"/>
+                        <a:t>explosion_eff</a:t>
+                      </a:r>
+                      <a:endParaRPr lang="ko-KR" altLang="en-US" dirty="0" smtClean="0"/>
+                    </a:p>
+                  </a:txBody>
+                  <a:tcPr/>
+                </a:tc>
+                <a:tc>
+                  <a:txBody>
+                    <a:bodyPr/>
+                    <a:lstStyle/>
+                    <a:p>
+                      <a:pPr marL="0" marR="0" indent="0" algn="l" defTabSz="914400" rtl="0" eaLnBrk="1" fontAlgn="auto" latinLnBrk="1" hangingPunct="1">
+                        <a:lnSpc>
+                          <a:spcPct val="100000"/>
+                        </a:lnSpc>
+                        <a:spcBef>
+                          <a:spcPts val="0"/>
+                        </a:spcBef>
+                        <a:spcAft>
+                          <a:spcPts val="0"/>
+                        </a:spcAft>
+                        <a:buClrTx/>
+                        <a:buSzTx/>
+                        <a:buFontTx/>
+                        <a:buNone/>
+                        <a:tabLst/>
+                        <a:defRPr/>
+                      </a:pPr>
+                      <a:r>
+                        <a:rPr lang="en-US" altLang="ko-KR" dirty="0" err="1" smtClean="0"/>
+                        <a:t>grenade_obj</a:t>
+                      </a:r>
+                      <a:endParaRPr lang="ko-KR" altLang="en-US" dirty="0" smtClean="0"/>
+                    </a:p>
+                  </a:txBody>
+                  <a:tcPr/>
+                </a:tc>
+                <a:extLst>
+                  <a:ext uri="{0D108BD9-81ED-4DB2-BD59-A6C34878D82A}">
+                    <a16:rowId xmlns:a16="http://schemas.microsoft.com/office/drawing/2014/main" val="4269201790"/>
+                  </a:ext>
+                </a:extLst>
+              </a:tr>
+            </a:tbl>
+          </a:graphicData>
+        </a:graphic>
+      </p:graphicFrame>
     </p:spTree>
     <p:extLst>
       <p:ext uri="{BB962C8B-B14F-4D97-AF65-F5344CB8AC3E}">
